--- a/Day3/Ch04_SparkSQL.pptx
+++ b/Day3/Ch04_SparkSQL.pptx
@@ -351,7 +351,7 @@
                 <a:ea typeface="Tahoma" pitchFamily="34" charset="0"/>
                 <a:cs typeface="Tahoma" pitchFamily="34" charset="0"/>
               </a:rPr>
-              <a:t>Chapter 2</a:t>
+              <a:t>Chapter 4</a:t>
             </a:r>
           </a:p>
         </p:txBody>
@@ -741,7 +741,7 @@
                 </a:solidFill>
                 <a:latin typeface="Tahoma" pitchFamily="34" charset="0"/>
               </a:rPr>
-              <a:t>Chapter 3-</a:t>
+              <a:t>Chapter 4-</a:t>
             </a:r>
             <a:fld id="{9C58707A-6F60-4D20-8A8B-4F90B88EA4F7}" type="slidenum">
               <a:rPr lang="en-US" sz="1200" smtClean="0">
@@ -7104,7 +7104,7 @@
                 </a:solidFill>
                 <a:latin typeface="Calibri" pitchFamily="34" charset="0"/>
               </a:rPr>
-              <a:t>3-</a:t>
+              <a:t>4-</a:t>
             </a:r>
             <a:fld id="{B722F7F8-9603-472A-A081-A1C5DB32BB89}" type="slidenum">
               <a:rPr lang="en-US" sz="1100" b="0" smtClean="0">
@@ -7824,35 +7824,30 @@
           <a:p>
             <a:r>
               <a:rPr lang="en-US" dirty="0"/>
-              <a:t>Creating the regions2 </a:t>
-            </a:r>
-            <a:r>
-              <a:rPr lang="en-US" dirty="0" err="1"/>
-              <a:t>DataFrame</a:t>
-            </a:r>
-            <a:r>
-              <a:rPr lang="en-US" dirty="0"/>
-              <a:t> does not execute anything yet</a:t>
-            </a:r>
-          </a:p>
-          <a:p>
-            <a:r>
-              <a:rPr lang="en-US" dirty="0"/>
-              <a:t>Making </a:t>
-            </a:r>
-            <a:r>
-              <a:rPr lang="en-US" dirty="0" err="1"/>
-              <a:t>DataFrame</a:t>
-            </a:r>
-            <a:r>
-              <a:rPr lang="en-US" dirty="0"/>
-              <a:t> into a Temp View then running a Spark SQL query, tells Spark to read the SQL data into an RDD in the Spark Cluster</a:t>
-            </a:r>
-          </a:p>
-          <a:p>
-            <a:r>
-              <a:rPr lang="en-US" dirty="0"/>
-              <a:t> Once in the cluster, it can be processed using Spark methods or Spark SQL</a:t>
+              <a:t>Creating the </a:t>
+            </a:r>
+            <a:r>
+              <a:rPr lang="en-US" dirty="0">
+                <a:latin typeface="Courier New" panose="02070309020205020404" pitchFamily="49" charset="0"/>
+                <a:cs typeface="Courier New" panose="02070309020205020404" pitchFamily="49" charset="0"/>
+              </a:rPr>
+              <a:t>regions2</a:t>
+            </a:r>
+            <a:r>
+              <a:rPr lang="en-US" dirty="0"/>
+              <a:t> DataFrame does not execute anything yet</a:t>
+            </a:r>
+          </a:p>
+          <a:p>
+            <a:r>
+              <a:rPr lang="en-US" dirty="0"/>
+              <a:t>Making DataFrame into a Temp View then running a Spark SQL query, tells Spark to read the SQL data into an RDD in the Spark Cluster</a:t>
+            </a:r>
+          </a:p>
+          <a:p>
+            <a:r>
+              <a:rPr lang="en-US" dirty="0"/>
+              <a:t>Once in the cluster, it can be processed using Spark methods or Spark SQL</a:t>
             </a:r>
           </a:p>
           <a:p>
@@ -7873,18 +7868,11 @@
               </a:rPr>
             </a:br>
             <a:r>
-              <a:rPr lang="en-US" dirty="0" err="1">
-                <a:latin typeface="Courier New" panose="02070309020205020404" pitchFamily="49" charset="0"/>
-                <a:cs typeface="Courier New" panose="02070309020205020404" pitchFamily="49" charset="0"/>
-              </a:rPr>
-              <a:t>spark.sql</a:t>
-            </a:r>
-            <a:r>
-              <a:rPr lang="en-US" dirty="0">
-                <a:latin typeface="Courier New" panose="02070309020205020404" pitchFamily="49" charset="0"/>
-                <a:cs typeface="Courier New" panose="02070309020205020404" pitchFamily="49" charset="0"/>
-              </a:rPr>
-              <a:t>('select * from regions2 </a:t>
+              <a:rPr lang="en-US" dirty="0">
+                <a:latin typeface="Courier New" panose="02070309020205020404" pitchFamily="49" charset="0"/>
+                <a:cs typeface="Courier New" panose="02070309020205020404" pitchFamily="49" charset="0"/>
+              </a:rPr>
+              <a:t>spark.sql('select * from regions2 </a:t>
             </a:r>
             <a:br>
               <a:rPr lang="en-US" dirty="0">
@@ -7897,21 +7885,7 @@
                 <a:latin typeface="Courier New" panose="02070309020205020404" pitchFamily="49" charset="0"/>
                 <a:cs typeface="Courier New" panose="02070309020205020404" pitchFamily="49" charset="0"/>
               </a:rPr>
-              <a:t>           where </a:t>
-            </a:r>
-            <a:r>
-              <a:rPr lang="en-US" dirty="0" err="1">
-                <a:latin typeface="Courier New" panose="02070309020205020404" pitchFamily="49" charset="0"/>
-                <a:cs typeface="Courier New" panose="02070309020205020404" pitchFamily="49" charset="0"/>
-              </a:rPr>
-              <a:t>regionid</a:t>
-            </a:r>
-            <a:r>
-              <a:rPr lang="en-US" dirty="0">
-                <a:latin typeface="Courier New" panose="02070309020205020404" pitchFamily="49" charset="0"/>
-                <a:cs typeface="Courier New" panose="02070309020205020404" pitchFamily="49" charset="0"/>
-              </a:rPr>
-              <a:t> &lt; 3').show()</a:t>
+              <a:t>           where regionid &lt; 3').show()</a:t>
             </a:r>
           </a:p>
         </p:txBody>
@@ -8004,78 +7978,39 @@
               <a:rPr lang="en-US" dirty="0"/>
               <a:t>You could always use Spark methods to call a Python function as we showed in the last chapter</a:t>
             </a:r>
-            <a:br>
-              <a:rPr lang="en-US" dirty="0"/>
-            </a:br>
-            <a:r>
-              <a:rPr lang="en-US" dirty="0"/>
-              <a:t>from </a:t>
-            </a:r>
-            <a:r>
-              <a:rPr lang="en-US" dirty="0" err="1"/>
-              <a:t>pyspark.sql.functions</a:t>
-            </a:r>
-            <a:r>
-              <a:rPr lang="en-US" dirty="0"/>
-              <a:t> import expr, </a:t>
-            </a:r>
-            <a:r>
-              <a:rPr lang="en-US" dirty="0" err="1"/>
-              <a:t>udf</a:t>
-            </a:r>
-            <a:endParaRPr lang="en-US" dirty="0"/>
           </a:p>
           <a:p>
             <a:pPr marL="0" indent="0">
               <a:buNone/>
             </a:pPr>
             <a:r>
-              <a:rPr lang="en-US" dirty="0">
-                <a:latin typeface="Courier New" panose="02070309020205020404" pitchFamily="49" charset="0"/>
-                <a:cs typeface="Courier New" panose="02070309020205020404" pitchFamily="49" charset="0"/>
-              </a:rPr>
-              <a:t>from </a:t>
-            </a:r>
-            <a:r>
-              <a:rPr lang="en-US" dirty="0" err="1">
-                <a:latin typeface="Courier New" panose="02070309020205020404" pitchFamily="49" charset="0"/>
-                <a:cs typeface="Courier New" panose="02070309020205020404" pitchFamily="49" charset="0"/>
-              </a:rPr>
-              <a:t>pyspark.sql.types</a:t>
-            </a:r>
-            <a:r>
-              <a:rPr lang="en-US" dirty="0">
-                <a:latin typeface="Courier New" panose="02070309020205020404" pitchFamily="49" charset="0"/>
-                <a:cs typeface="Courier New" panose="02070309020205020404" pitchFamily="49" charset="0"/>
-              </a:rPr>
-              <a:t> import *</a:t>
+              <a:rPr lang="en-US" sz="1050" dirty="0"/>
+              <a:t> </a:t>
             </a:r>
             <a:br>
-              <a:rPr lang="en-US" dirty="0">
-                <a:latin typeface="Courier New" panose="02070309020205020404" pitchFamily="49" charset="0"/>
-                <a:cs typeface="Courier New" panose="02070309020205020404" pitchFamily="49" charset="0"/>
-              </a:rPr>
+              <a:rPr lang="en-US" dirty="0"/>
             </a:br>
             <a:r>
               <a:rPr lang="en-US" dirty="0">
                 <a:latin typeface="Courier New" panose="02070309020205020404" pitchFamily="49" charset="0"/>
                 <a:cs typeface="Courier New" panose="02070309020205020404" pitchFamily="49" charset="0"/>
               </a:rPr>
-              <a:t>t2 = </a:t>
-            </a:r>
-            <a:r>
-              <a:rPr lang="en-US" dirty="0" err="1">
-                <a:latin typeface="Courier New" panose="02070309020205020404" pitchFamily="49" charset="0"/>
-                <a:cs typeface="Courier New" panose="02070309020205020404" pitchFamily="49" charset="0"/>
-              </a:rPr>
-              <a:t>spark.sql</a:t>
-            </a:r>
-            <a:r>
-              <a:rPr lang="en-US" dirty="0">
-                <a:latin typeface="Courier New" panose="02070309020205020404" pitchFamily="49" charset="0"/>
-                <a:cs typeface="Courier New" panose="02070309020205020404" pitchFamily="49" charset="0"/>
-              </a:rPr>
-              <a:t>('select * from territories')</a:t>
+              <a:t>from pyspark.sql.functions import expr, udf</a:t>
+            </a:r>
+          </a:p>
+          <a:p>
+            <a:pPr marL="0" indent="0">
+              <a:spcBef>
+                <a:spcPts val="0"/>
+              </a:spcBef>
+              <a:buNone/>
+            </a:pPr>
+            <a:r>
+              <a:rPr lang="en-US" dirty="0">
+                <a:latin typeface="Courier New" panose="02070309020205020404" pitchFamily="49" charset="0"/>
+                <a:cs typeface="Courier New" panose="02070309020205020404" pitchFamily="49" charset="0"/>
+              </a:rPr>
+              <a:t>from pyspark.sql.types import *</a:t>
             </a:r>
             <a:br>
               <a:rPr lang="en-US" dirty="0">
@@ -8088,6 +8023,19 @@
                 <a:latin typeface="Courier New" panose="02070309020205020404" pitchFamily="49" charset="0"/>
                 <a:cs typeface="Courier New" panose="02070309020205020404" pitchFamily="49" charset="0"/>
               </a:rPr>
+              <a:t>t2 = spark.sql('select * from territories')</a:t>
+            </a:r>
+            <a:br>
+              <a:rPr lang="en-US" dirty="0">
+                <a:latin typeface="Courier New" panose="02070309020205020404" pitchFamily="49" charset="0"/>
+                <a:cs typeface="Courier New" panose="02070309020205020404" pitchFamily="49" charset="0"/>
+              </a:rPr>
+            </a:br>
+            <a:r>
+              <a:rPr lang="en-US" dirty="0">
+                <a:latin typeface="Courier New" panose="02070309020205020404" pitchFamily="49" charset="0"/>
+                <a:cs typeface="Courier New" panose="02070309020205020404" pitchFamily="49" charset="0"/>
+              </a:rPr>
               <a:t>t2.printSchema()</a:t>
             </a:r>
             <a:br>
@@ -8101,35 +8049,7 @@
                 <a:latin typeface="Courier New" panose="02070309020205020404" pitchFamily="49" charset="0"/>
                 <a:cs typeface="Courier New" panose="02070309020205020404" pitchFamily="49" charset="0"/>
               </a:rPr>
-              <a:t>t2 = t2.withColumn('</a:t>
-            </a:r>
-            <a:r>
-              <a:rPr lang="en-US" dirty="0" err="1">
-                <a:latin typeface="Courier New" panose="02070309020205020404" pitchFamily="49" charset="0"/>
-                <a:cs typeface="Courier New" panose="02070309020205020404" pitchFamily="49" charset="0"/>
-              </a:rPr>
-              <a:t>upperName</a:t>
-            </a:r>
-            <a:r>
-              <a:rPr lang="en-US" dirty="0">
-                <a:latin typeface="Courier New" panose="02070309020205020404" pitchFamily="49" charset="0"/>
-                <a:cs typeface="Courier New" panose="02070309020205020404" pitchFamily="49" charset="0"/>
-              </a:rPr>
-              <a:t>', expr('UPPER(</a:t>
-            </a:r>
-            <a:r>
-              <a:rPr lang="en-US" dirty="0" err="1">
-                <a:latin typeface="Courier New" panose="02070309020205020404" pitchFamily="49" charset="0"/>
-                <a:cs typeface="Courier New" panose="02070309020205020404" pitchFamily="49" charset="0"/>
-              </a:rPr>
-              <a:t>TerritoryName</a:t>
-            </a:r>
-            <a:r>
-              <a:rPr lang="en-US" dirty="0">
-                <a:latin typeface="Courier New" panose="02070309020205020404" pitchFamily="49" charset="0"/>
-                <a:cs typeface="Courier New" panose="02070309020205020404" pitchFamily="49" charset="0"/>
-              </a:rPr>
-              <a:t>)'))</a:t>
+              <a:t>t2 = t2.withColumn('upperName', expr('UPPER(TerritoryName)'))</a:t>
             </a:r>
             <a:br>
               <a:rPr lang="en-US" dirty="0">
@@ -8155,63 +8075,7 @@
                 <a:latin typeface="Courier New" panose="02070309020205020404" pitchFamily="49" charset="0"/>
                 <a:cs typeface="Courier New" panose="02070309020205020404" pitchFamily="49" charset="0"/>
               </a:rPr>
-              <a:t>t2 = t2.withColumn('</a:t>
-            </a:r>
-            <a:r>
-              <a:rPr lang="en-US" dirty="0" err="1">
-                <a:latin typeface="Courier New" panose="02070309020205020404" pitchFamily="49" charset="0"/>
-                <a:cs typeface="Courier New" panose="02070309020205020404" pitchFamily="49" charset="0"/>
-              </a:rPr>
-              <a:t>titleName</a:t>
-            </a:r>
-            <a:r>
-              <a:rPr lang="en-US" dirty="0">
-                <a:latin typeface="Courier New" panose="02070309020205020404" pitchFamily="49" charset="0"/>
-                <a:cs typeface="Courier New" panose="02070309020205020404" pitchFamily="49" charset="0"/>
-              </a:rPr>
-              <a:t>', </a:t>
-            </a:r>
-            <a:r>
-              <a:rPr lang="en-US" dirty="0" err="1">
-                <a:latin typeface="Courier New" panose="02070309020205020404" pitchFamily="49" charset="0"/>
-                <a:cs typeface="Courier New" panose="02070309020205020404" pitchFamily="49" charset="0"/>
-              </a:rPr>
-              <a:t>udf</a:t>
-            </a:r>
-            <a:r>
-              <a:rPr lang="en-US" dirty="0">
-                <a:latin typeface="Courier New" panose="02070309020205020404" pitchFamily="49" charset="0"/>
-                <a:cs typeface="Courier New" panose="02070309020205020404" pitchFamily="49" charset="0"/>
-              </a:rPr>
-              <a:t>(lambda x : </a:t>
-            </a:r>
-            <a:r>
-              <a:rPr lang="en-US" dirty="0" err="1">
-                <a:latin typeface="Courier New" panose="02070309020205020404" pitchFamily="49" charset="0"/>
-                <a:cs typeface="Courier New" panose="02070309020205020404" pitchFamily="49" charset="0"/>
-              </a:rPr>
-              <a:t>x.title</a:t>
-            </a:r>
-            <a:r>
-              <a:rPr lang="en-US" dirty="0">
-                <a:latin typeface="Courier New" panose="02070309020205020404" pitchFamily="49" charset="0"/>
-                <a:cs typeface="Courier New" panose="02070309020205020404" pitchFamily="49" charset="0"/>
-              </a:rPr>
-              <a:t>(), </a:t>
-            </a:r>
-            <a:r>
-              <a:rPr lang="en-US" dirty="0" err="1">
-                <a:latin typeface="Courier New" panose="02070309020205020404" pitchFamily="49" charset="0"/>
-                <a:cs typeface="Courier New" panose="02070309020205020404" pitchFamily="49" charset="0"/>
-              </a:rPr>
-              <a:t>StringType</a:t>
-            </a:r>
-            <a:r>
-              <a:rPr lang="en-US" dirty="0">
-                <a:latin typeface="Courier New" panose="02070309020205020404" pitchFamily="49" charset="0"/>
-                <a:cs typeface="Courier New" panose="02070309020205020404" pitchFamily="49" charset="0"/>
-              </a:rPr>
-              <a:t>())(t2.upperName))</a:t>
+              <a:t>t2 = t2.withColumn('titleName', udf(lambda x : x.title(), StringType())(t2.upperName))</a:t>
             </a:r>
             <a:br>
               <a:rPr lang="en-US" dirty="0">
@@ -8316,15 +8180,7 @@
           <a:p>
             <a:r>
               <a:rPr lang="en-US" dirty="0"/>
-              <a:t>This is similar to how you make a </a:t>
-            </a:r>
-            <a:r>
-              <a:rPr lang="en-US" dirty="0" err="1"/>
-              <a:t>DataFrame</a:t>
-            </a:r>
-            <a:r>
-              <a:rPr lang="en-US" dirty="0"/>
-              <a:t> into a Temp View </a:t>
+              <a:t>This is similar to how you make a DataFrame into a Temp View </a:t>
             </a:r>
           </a:p>
           <a:p>
@@ -8342,21 +8198,7 @@
                 <a:latin typeface="Courier New" panose="02070309020205020404" pitchFamily="49" charset="0"/>
                 <a:cs typeface="Courier New" panose="02070309020205020404" pitchFamily="49" charset="0"/>
               </a:rPr>
-              <a:t>def </a:t>
-            </a:r>
-            <a:r>
-              <a:rPr lang="en-US" dirty="0" err="1">
-                <a:latin typeface="Courier New" panose="02070309020205020404" pitchFamily="49" charset="0"/>
-                <a:cs typeface="Courier New" panose="02070309020205020404" pitchFamily="49" charset="0"/>
-              </a:rPr>
-              <a:t>reverseString</a:t>
-            </a:r>
-            <a:r>
-              <a:rPr lang="en-US" dirty="0">
-                <a:latin typeface="Courier New" panose="02070309020205020404" pitchFamily="49" charset="0"/>
-                <a:cs typeface="Courier New" panose="02070309020205020404" pitchFamily="49" charset="0"/>
-              </a:rPr>
-              <a:t>(x):</a:t>
+              <a:t>def reverseString(x):</a:t>
             </a:r>
             <a:br>
               <a:rPr lang="en-US" dirty="0">
@@ -8377,18 +8219,11 @@
               <a:buNone/>
             </a:pPr>
             <a:r>
-              <a:rPr lang="en-US" dirty="0" err="1">
-                <a:latin typeface="Courier New" panose="02070309020205020404" pitchFamily="49" charset="0"/>
-                <a:cs typeface="Courier New" panose="02070309020205020404" pitchFamily="49" charset="0"/>
-              </a:rPr>
-              <a:t>spark.udf.register</a:t>
-            </a:r>
-            <a:r>
-              <a:rPr lang="en-US" dirty="0">
-                <a:latin typeface="Courier New" panose="02070309020205020404" pitchFamily="49" charset="0"/>
-                <a:cs typeface="Courier New" panose="02070309020205020404" pitchFamily="49" charset="0"/>
-              </a:rPr>
-              <a:t>('</a:t>
+              <a:rPr lang="en-US" dirty="0">
+                <a:latin typeface="Courier New" panose="02070309020205020404" pitchFamily="49" charset="0"/>
+                <a:cs typeface="Courier New" panose="02070309020205020404" pitchFamily="49" charset="0"/>
+              </a:rPr>
+              <a:t>spark.udf.register('</a:t>
             </a:r>
             <a:r>
               <a:rPr lang="en-US" b="1" dirty="0">
@@ -8402,35 +8237,7 @@
                 <a:latin typeface="Courier New" panose="02070309020205020404" pitchFamily="49" charset="0"/>
                 <a:cs typeface="Courier New" panose="02070309020205020404" pitchFamily="49" charset="0"/>
               </a:rPr>
-              <a:t>', </a:t>
-            </a:r>
-            <a:r>
-              <a:rPr lang="en-US" dirty="0" err="1">
-                <a:latin typeface="Courier New" panose="02070309020205020404" pitchFamily="49" charset="0"/>
-                <a:cs typeface="Courier New" panose="02070309020205020404" pitchFamily="49" charset="0"/>
-              </a:rPr>
-              <a:t>reverseString</a:t>
-            </a:r>
-            <a:r>
-              <a:rPr lang="en-US" dirty="0">
-                <a:latin typeface="Courier New" panose="02070309020205020404" pitchFamily="49" charset="0"/>
-                <a:cs typeface="Courier New" panose="02070309020205020404" pitchFamily="49" charset="0"/>
-              </a:rPr>
-              <a:t>, </a:t>
-            </a:r>
-            <a:r>
-              <a:rPr lang="en-US" dirty="0" err="1">
-                <a:latin typeface="Courier New" panose="02070309020205020404" pitchFamily="49" charset="0"/>
-                <a:cs typeface="Courier New" panose="02070309020205020404" pitchFamily="49" charset="0"/>
-              </a:rPr>
-              <a:t>StringType</a:t>
-            </a:r>
-            <a:r>
-              <a:rPr lang="en-US" dirty="0">
-                <a:latin typeface="Courier New" panose="02070309020205020404" pitchFamily="49" charset="0"/>
-                <a:cs typeface="Courier New" panose="02070309020205020404" pitchFamily="49" charset="0"/>
-              </a:rPr>
-              <a:t>())</a:t>
+              <a:t>', reverseString, StringType())</a:t>
             </a:r>
           </a:p>
           <a:p>
@@ -8438,18 +8245,11 @@
               <a:buNone/>
             </a:pPr>
             <a:r>
-              <a:rPr lang="en-US" dirty="0" err="1">
-                <a:latin typeface="Courier New" panose="02070309020205020404" pitchFamily="49" charset="0"/>
-                <a:cs typeface="Courier New" panose="02070309020205020404" pitchFamily="49" charset="0"/>
-              </a:rPr>
-              <a:t>spark.sql</a:t>
-            </a:r>
-            <a:r>
-              <a:rPr lang="en-US" dirty="0">
-                <a:latin typeface="Courier New" panose="02070309020205020404" pitchFamily="49" charset="0"/>
-                <a:cs typeface="Courier New" panose="02070309020205020404" pitchFamily="49" charset="0"/>
-              </a:rPr>
-              <a:t>('select *, </a:t>
+              <a:rPr lang="en-US" dirty="0">
+                <a:latin typeface="Courier New" panose="02070309020205020404" pitchFamily="49" charset="0"/>
+                <a:cs typeface="Courier New" panose="02070309020205020404" pitchFamily="49" charset="0"/>
+              </a:rPr>
+              <a:t>spark.sql('select *, </a:t>
             </a:r>
             <a:r>
               <a:rPr lang="en-US" b="1" dirty="0">
@@ -8463,35 +8263,7 @@
                 <a:latin typeface="Courier New" panose="02070309020205020404" pitchFamily="49" charset="0"/>
                 <a:cs typeface="Courier New" panose="02070309020205020404" pitchFamily="49" charset="0"/>
               </a:rPr>
-              <a:t>(</a:t>
-            </a:r>
-            <a:r>
-              <a:rPr lang="en-US" dirty="0" err="1">
-                <a:latin typeface="Courier New" panose="02070309020205020404" pitchFamily="49" charset="0"/>
-                <a:cs typeface="Courier New" panose="02070309020205020404" pitchFamily="49" charset="0"/>
-              </a:rPr>
-              <a:t>TerritoryName</a:t>
-            </a:r>
-            <a:r>
-              <a:rPr lang="en-US" dirty="0">
-                <a:latin typeface="Courier New" panose="02070309020205020404" pitchFamily="49" charset="0"/>
-                <a:cs typeface="Courier New" panose="02070309020205020404" pitchFamily="49" charset="0"/>
-              </a:rPr>
-              <a:t>) as Reversed from Territories').</a:t>
-            </a:r>
-            <a:r>
-              <a:rPr lang="en-US" dirty="0" err="1">
-                <a:latin typeface="Courier New" panose="02070309020205020404" pitchFamily="49" charset="0"/>
-                <a:cs typeface="Courier New" panose="02070309020205020404" pitchFamily="49" charset="0"/>
-              </a:rPr>
-              <a:t>orderBy</a:t>
-            </a:r>
-            <a:r>
-              <a:rPr lang="en-US" dirty="0">
-                <a:latin typeface="Courier New" panose="02070309020205020404" pitchFamily="49" charset="0"/>
-                <a:cs typeface="Courier New" panose="02070309020205020404" pitchFamily="49" charset="0"/>
-              </a:rPr>
-              <a:t>('Reversed').show()</a:t>
+              <a:t>(TerritoryName) as Reversed from Territories').orderBy('Reversed').show()</a:t>
             </a:r>
           </a:p>
         </p:txBody>
@@ -8565,13 +8337,16 @@
           <a:p>
             <a:r>
               <a:rPr lang="en-US" dirty="0"/>
-              <a:t>In addition to the typical primitive SQL datatypes Spark has a few complex types that are similar to Python collection types and Hive's complex datatypes</a:t>
+              <a:t>In addition to the typical primitive SQL datatypes, Spark has a few complex types that are similar to Python collection types and Hive’s complex datatypes</a:t>
             </a:r>
           </a:p>
           <a:p>
             <a:pPr lvl="1"/>
             <a:r>
-              <a:rPr lang="en-US" dirty="0" err="1"/>
+              <a:rPr lang="en-US" dirty="0">
+                <a:latin typeface="Courier New" panose="02070309020205020404" pitchFamily="49" charset="0"/>
+                <a:cs typeface="Courier New" panose="02070309020205020404" pitchFamily="49" charset="0"/>
+              </a:rPr>
               <a:t>ArrayType</a:t>
             </a:r>
             <a:r>
@@ -8582,7 +8357,10 @@
           <a:p>
             <a:pPr lvl="1"/>
             <a:r>
-              <a:rPr lang="en-US" dirty="0" err="1"/>
+              <a:rPr lang="en-US" dirty="0">
+                <a:latin typeface="Courier New" panose="02070309020205020404" pitchFamily="49" charset="0"/>
+                <a:cs typeface="Courier New" panose="02070309020205020404" pitchFamily="49" charset="0"/>
+              </a:rPr>
               <a:t>MapType</a:t>
             </a:r>
             <a:r>
@@ -8593,7 +8371,10 @@
           <a:p>
             <a:pPr lvl="1"/>
             <a:r>
-              <a:rPr lang="en-US" dirty="0" err="1"/>
+              <a:rPr lang="en-US" dirty="0">
+                <a:latin typeface="Courier New" panose="02070309020205020404" pitchFamily="49" charset="0"/>
+                <a:cs typeface="Courier New" panose="02070309020205020404" pitchFamily="49" charset="0"/>
+              </a:rPr>
               <a:t>StructType</a:t>
             </a:r>
             <a:r>
@@ -8601,7 +8382,10 @@
               <a:t> &amp; </a:t>
             </a:r>
             <a:r>
-              <a:rPr lang="en-US" dirty="0" err="1"/>
+              <a:rPr lang="en-US" dirty="0">
+                <a:latin typeface="Courier New" panose="02070309020205020404" pitchFamily="49" charset="0"/>
+                <a:cs typeface="Courier New" panose="02070309020205020404" pitchFamily="49" charset="0"/>
+              </a:rPr>
               <a:t>StructField</a:t>
             </a:r>
             <a:r>
@@ -8621,12 +8405,15 @@
               <a:t>Using the </a:t>
             </a:r>
             <a:r>
-              <a:rPr lang="en-US" dirty="0" err="1"/>
+              <a:rPr lang="en-US" dirty="0">
+                <a:latin typeface="Courier New" panose="02070309020205020404" pitchFamily="49" charset="0"/>
+                <a:cs typeface="Courier New" panose="02070309020205020404" pitchFamily="49" charset="0"/>
+              </a:rPr>
               <a:t>ArrayType</a:t>
             </a:r>
             <a:r>
               <a:rPr lang="en-US" dirty="0"/>
-              <a:t> multiple children values can be embedded into a column instead of using a related table</a:t>
+              <a:t>, multiple children values can be embedded into a column instead of using a related table</a:t>
             </a:r>
           </a:p>
           <a:p>
@@ -8635,10 +8422,12 @@
               <a:t>You could create a dynamic on the fly collection of Key Value pairs using </a:t>
             </a:r>
             <a:r>
-              <a:rPr lang="en-US" dirty="0" err="1"/>
+              <a:rPr lang="en-US" dirty="0">
+                <a:latin typeface="Courier New" panose="02070309020205020404" pitchFamily="49" charset="0"/>
+                <a:cs typeface="Courier New" panose="02070309020205020404" pitchFamily="49" charset="0"/>
+              </a:rPr>
               <a:t>MapType</a:t>
             </a:r>
-            <a:endParaRPr lang="en-US" dirty="0"/>
           </a:p>
           <a:p>
             <a:r>
@@ -8646,7 +8435,10 @@
               <a:t>Using </a:t>
             </a:r>
             <a:r>
-              <a:rPr lang="en-US" dirty="0" err="1"/>
+              <a:rPr lang="en-US" dirty="0">
+                <a:latin typeface="Courier New" panose="02070309020205020404" pitchFamily="49" charset="0"/>
+                <a:cs typeface="Courier New" panose="02070309020205020404" pitchFamily="49" charset="0"/>
+              </a:rPr>
               <a:t>StructType</a:t>
             </a:r>
             <a:r>
@@ -8654,8 +8446,18 @@
               <a:t> &amp; </a:t>
             </a:r>
             <a:r>
-              <a:rPr lang="en-US" dirty="0" err="1"/>
+              <a:rPr lang="en-US" dirty="0">
+                <a:latin typeface="Courier New" panose="02070309020205020404" pitchFamily="49" charset="0"/>
+                <a:cs typeface="Courier New" panose="02070309020205020404" pitchFamily="49" charset="0"/>
+              </a:rPr>
               <a:t>StructField</a:t>
+            </a:r>
+            <a:r>
+              <a:rPr lang="en-US" dirty="0">
+                <a:latin typeface="+mn-lt"/>
+                <a:cs typeface="Courier New" panose="02070309020205020404" pitchFamily="49" charset="0"/>
+              </a:rPr>
+              <a:t>,</a:t>
             </a:r>
             <a:r>
               <a:rPr lang="en-US" dirty="0"/>
@@ -8740,7 +8542,28 @@
                 <a:latin typeface="Courier New" panose="02070309020205020404" pitchFamily="49" charset="0"/>
                 <a:cs typeface="Courier New" panose="02070309020205020404" pitchFamily="49" charset="0"/>
               </a:rPr>
-              <a:t>Join, Group </a:t>
+              <a:t>Join,</a:t>
+            </a:r>
+            <a:r>
+              <a:rPr lang="en-US" dirty="0">
+                <a:latin typeface="+mn-lt"/>
+                <a:cs typeface="Courier New" panose="02070309020205020404" pitchFamily="49" charset="0"/>
+              </a:rPr>
+              <a:t> </a:t>
+            </a:r>
+            <a:r>
+              <a:rPr lang="en-US" dirty="0">
+                <a:latin typeface="Courier New" panose="02070309020205020404" pitchFamily="49" charset="0"/>
+                <a:cs typeface="Courier New" panose="02070309020205020404" pitchFamily="49" charset="0"/>
+              </a:rPr>
+              <a:t>Group</a:t>
+            </a:r>
+            <a:r>
+              <a:rPr lang="en-US" dirty="0">
+                <a:latin typeface="+mn-lt"/>
+                <a:cs typeface="Courier New" panose="02070309020205020404" pitchFamily="49" charset="0"/>
+              </a:rPr>
+              <a:t>, </a:t>
             </a:r>
             <a:r>
               <a:rPr lang="en-US" dirty="0"/>
@@ -8748,10 +8571,17 @@
             </a:r>
             <a:r>
               <a:rPr lang="en-US" dirty="0">
-                <a:latin typeface="Courier New" panose="02070309020205020404" pitchFamily="49" charset="0"/>
-                <a:cs typeface="Courier New" panose="02070309020205020404" pitchFamily="49" charset="0"/>
-              </a:rPr>
-              <a:t> Aggregate</a:t>
+                <a:latin typeface="+mn-lt"/>
+                <a:cs typeface="Courier New" panose="02070309020205020404" pitchFamily="49" charset="0"/>
+              </a:rPr>
+              <a:t> </a:t>
+            </a:r>
+            <a:r>
+              <a:rPr lang="en-US" dirty="0">
+                <a:latin typeface="Courier New" panose="02070309020205020404" pitchFamily="49" charset="0"/>
+                <a:cs typeface="Courier New" panose="02070309020205020404" pitchFamily="49" charset="0"/>
+              </a:rPr>
+              <a:t>Aggregate</a:t>
             </a:r>
             <a:r>
               <a:rPr lang="en-US" dirty="0"/>
@@ -8761,7 +8591,7 @@
           <a:p>
             <a:r>
               <a:rPr lang="en-US" dirty="0"/>
-              <a:t>An alternative data modelling technique would be to embed children records inside the parent so that in a sense they are pre-joined to the parent</a:t>
+              <a:t>An alternative data modeling technique would be to embed children records inside the parent so that in a sense they are pre-joined to the parent</a:t>
             </a:r>
           </a:p>
           <a:p>
@@ -8852,67 +8682,56 @@
               <a:t>Spark has two aggregate functions called </a:t>
             </a:r>
             <a:r>
-              <a:rPr lang="en-US" dirty="0" err="1">
-                <a:latin typeface="Courier New" panose="02070309020205020404" pitchFamily="49" charset="0"/>
-                <a:cs typeface="Courier New" panose="02070309020205020404" pitchFamily="49" charset="0"/>
-              </a:rPr>
-              <a:t>collect_list</a:t>
-            </a:r>
-            <a:r>
-              <a:rPr lang="en-US" dirty="0">
-                <a:latin typeface="Courier New" panose="02070309020205020404" pitchFamily="49" charset="0"/>
-                <a:cs typeface="Courier New" panose="02070309020205020404" pitchFamily="49" charset="0"/>
-              </a:rPr>
+              <a:rPr lang="en-US" dirty="0">
+                <a:latin typeface="Courier New" panose="02070309020205020404" pitchFamily="49" charset="0"/>
+                <a:cs typeface="Courier New" panose="02070309020205020404" pitchFamily="49" charset="0"/>
+              </a:rPr>
+              <a:t>collect_list </a:t>
+            </a:r>
+            <a:r>
+              <a:rPr lang="en-US" dirty="0"/>
+              <a:t>and </a:t>
+            </a:r>
+            <a:r>
+              <a:rPr lang="en-US" dirty="0">
+                <a:latin typeface="Courier New" panose="02070309020205020404" pitchFamily="49" charset="0"/>
+                <a:cs typeface="Courier New" panose="02070309020205020404" pitchFamily="49" charset="0"/>
+              </a:rPr>
+              <a:t>collect_set</a:t>
+            </a:r>
+            <a:r>
+              <a:rPr lang="en-US" dirty="0"/>
+              <a:t> that can be used to group together elements into either a list or a unique set</a:t>
+            </a:r>
+            <a:br>
+              <a:rPr lang="en-US" dirty="0"/>
+            </a:br>
+            <a:r>
+              <a:rPr lang="en-US" sz="1200" dirty="0"/>
               <a:t> </a:t>
             </a:r>
-            <a:r>
-              <a:rPr lang="en-US" dirty="0"/>
-              <a:t>and </a:t>
-            </a:r>
-            <a:r>
-              <a:rPr lang="en-US" dirty="0" err="1">
-                <a:latin typeface="Courier New" panose="02070309020205020404" pitchFamily="49" charset="0"/>
-                <a:cs typeface="Courier New" panose="02070309020205020404" pitchFamily="49" charset="0"/>
-              </a:rPr>
-              <a:t>collect_set</a:t>
-            </a:r>
-            <a:r>
-              <a:rPr lang="en-US" dirty="0"/>
-              <a:t> that can be used to group together elements into either a list or a unique set</a:t>
-            </a:r>
             <a:br>
               <a:rPr lang="en-US" dirty="0"/>
             </a:br>
+            <a:r>
+              <a:rPr lang="en-US" dirty="0">
+                <a:latin typeface="Courier New" panose="02070309020205020404" pitchFamily="49" charset="0"/>
+                <a:cs typeface="Courier New" panose="02070309020205020404" pitchFamily="49" charset="0"/>
+              </a:rPr>
+              <a:t>from pyspark.sql.functions import collect_list</a:t>
+            </a:r>
             <a:br>
-              <a:rPr lang="en-US" dirty="0"/>
+              <a:rPr lang="en-US" dirty="0">
+                <a:latin typeface="Courier New" panose="02070309020205020404" pitchFamily="49" charset="0"/>
+                <a:cs typeface="Courier New" panose="02070309020205020404" pitchFamily="49" charset="0"/>
+              </a:rPr>
             </a:br>
             <a:r>
               <a:rPr lang="en-US" dirty="0">
                 <a:latin typeface="Courier New" panose="02070309020205020404" pitchFamily="49" charset="0"/>
                 <a:cs typeface="Courier New" panose="02070309020205020404" pitchFamily="49" charset="0"/>
               </a:rPr>
-              <a:t>from </a:t>
-            </a:r>
-            <a:r>
-              <a:rPr lang="en-US" dirty="0" err="1">
-                <a:latin typeface="Courier New" panose="02070309020205020404" pitchFamily="49" charset="0"/>
-                <a:cs typeface="Courier New" panose="02070309020205020404" pitchFamily="49" charset="0"/>
-              </a:rPr>
-              <a:t>pyspark.sql.functions</a:t>
-            </a:r>
-            <a:r>
-              <a:rPr lang="en-US" dirty="0">
-                <a:latin typeface="Courier New" panose="02070309020205020404" pitchFamily="49" charset="0"/>
-                <a:cs typeface="Courier New" panose="02070309020205020404" pitchFamily="49" charset="0"/>
-              </a:rPr>
-              <a:t> import </a:t>
-            </a:r>
-            <a:r>
-              <a:rPr lang="en-US" dirty="0" err="1">
-                <a:latin typeface="Courier New" panose="02070309020205020404" pitchFamily="49" charset="0"/>
-                <a:cs typeface="Courier New" panose="02070309020205020404" pitchFamily="49" charset="0"/>
-              </a:rPr>
-              <a:t>collect_list</a:t>
+              <a:t>territories.groupBy(territories.RegionID). \</a:t>
             </a:r>
             <a:br>
               <a:rPr lang="en-US" dirty="0">
@@ -8921,169 +8740,47 @@
               </a:rPr>
             </a:br>
             <a:r>
-              <a:rPr lang="en-US" dirty="0" err="1">
-                <a:latin typeface="Courier New" panose="02070309020205020404" pitchFamily="49" charset="0"/>
-                <a:cs typeface="Courier New" panose="02070309020205020404" pitchFamily="49" charset="0"/>
-              </a:rPr>
-              <a:t>territories.groupBy</a:t>
-            </a:r>
-            <a:r>
-              <a:rPr lang="en-US" dirty="0">
-                <a:latin typeface="Courier New" panose="02070309020205020404" pitchFamily="49" charset="0"/>
-                <a:cs typeface="Courier New" panose="02070309020205020404" pitchFamily="49" charset="0"/>
-              </a:rPr>
-              <a:t>(</a:t>
-            </a:r>
-            <a:r>
-              <a:rPr lang="en-US" dirty="0" err="1">
-                <a:latin typeface="Courier New" panose="02070309020205020404" pitchFamily="49" charset="0"/>
-                <a:cs typeface="Courier New" panose="02070309020205020404" pitchFamily="49" charset="0"/>
-              </a:rPr>
-              <a:t>territories.RegionID</a:t>
-            </a:r>
-            <a:r>
-              <a:rPr lang="en-US" dirty="0">
-                <a:latin typeface="Courier New" panose="02070309020205020404" pitchFamily="49" charset="0"/>
-                <a:cs typeface="Courier New" panose="02070309020205020404" pitchFamily="49" charset="0"/>
-              </a:rPr>
-              <a:t>). \</a:t>
+              <a:rPr lang="en-US" dirty="0">
+                <a:latin typeface="Courier New" panose="02070309020205020404" pitchFamily="49" charset="0"/>
+                <a:cs typeface="Courier New" panose="02070309020205020404" pitchFamily="49" charset="0"/>
+              </a:rPr>
+              <a:t>agg(collect_list(territories.TerritoryName)).show()</a:t>
+            </a:r>
+          </a:p>
+          <a:p>
+            <a:r>
+              <a:rPr lang="en-US" dirty="0"/>
+              <a:t>HQL has a similar function and is much easier to use</a:t>
             </a:r>
             <a:br>
-              <a:rPr lang="en-US" dirty="0">
-                <a:latin typeface="Courier New" panose="02070309020205020404" pitchFamily="49" charset="0"/>
-                <a:cs typeface="Courier New" panose="02070309020205020404" pitchFamily="49" charset="0"/>
-              </a:rPr>
+              <a:rPr lang="en-US" dirty="0"/>
             </a:br>
             <a:r>
-              <a:rPr lang="en-US" dirty="0" err="1">
-                <a:latin typeface="Courier New" panose="02070309020205020404" pitchFamily="49" charset="0"/>
-                <a:cs typeface="Courier New" panose="02070309020205020404" pitchFamily="49" charset="0"/>
-              </a:rPr>
-              <a:t>agg</a:t>
-            </a:r>
-            <a:r>
-              <a:rPr lang="en-US" dirty="0">
-                <a:latin typeface="Courier New" panose="02070309020205020404" pitchFamily="49" charset="0"/>
-                <a:cs typeface="Courier New" panose="02070309020205020404" pitchFamily="49" charset="0"/>
-              </a:rPr>
-              <a:t>(</a:t>
-            </a:r>
-            <a:r>
-              <a:rPr lang="en-US" dirty="0" err="1">
-                <a:latin typeface="Courier New" panose="02070309020205020404" pitchFamily="49" charset="0"/>
-                <a:cs typeface="Courier New" panose="02070309020205020404" pitchFamily="49" charset="0"/>
-              </a:rPr>
-              <a:t>collect_list</a:t>
-            </a:r>
-            <a:r>
-              <a:rPr lang="en-US" dirty="0">
-                <a:latin typeface="Courier New" panose="02070309020205020404" pitchFamily="49" charset="0"/>
-                <a:cs typeface="Courier New" panose="02070309020205020404" pitchFamily="49" charset="0"/>
-              </a:rPr>
-              <a:t>(</a:t>
-            </a:r>
-            <a:r>
-              <a:rPr lang="en-US" dirty="0" err="1">
-                <a:latin typeface="Courier New" panose="02070309020205020404" pitchFamily="49" charset="0"/>
-                <a:cs typeface="Courier New" panose="02070309020205020404" pitchFamily="49" charset="0"/>
-              </a:rPr>
-              <a:t>territories.TerritoryName</a:t>
-            </a:r>
-            <a:r>
-              <a:rPr lang="en-US" dirty="0">
-                <a:latin typeface="Courier New" panose="02070309020205020404" pitchFamily="49" charset="0"/>
-                <a:cs typeface="Courier New" panose="02070309020205020404" pitchFamily="49" charset="0"/>
-              </a:rPr>
-              <a:t>)).show()</a:t>
-            </a:r>
-          </a:p>
-          <a:p>
-            <a:r>
-              <a:rPr lang="en-US" dirty="0"/>
-              <a:t>HQL has a similar function and is much easier to use</a:t>
+              <a:rPr lang="en-US" sz="1200" dirty="0"/>
+              <a:t> </a:t>
             </a:r>
             <a:br>
               <a:rPr lang="en-US" dirty="0"/>
             </a:br>
+            <a:r>
+              <a:rPr lang="en-US" dirty="0">
+                <a:latin typeface="Courier New" panose="02070309020205020404" pitchFamily="49" charset="0"/>
+                <a:cs typeface="Courier New" panose="02070309020205020404" pitchFamily="49" charset="0"/>
+              </a:rPr>
+              <a:t>tr1 = spark.sql("SELECT RegionID, collect_list(TerritoryName) AS TerritoryList </a:t>
+            </a:r>
             <a:br>
-              <a:rPr lang="en-US" dirty="0"/>
+              <a:rPr lang="en-US" dirty="0">
+                <a:latin typeface="Courier New" panose="02070309020205020404" pitchFamily="49" charset="0"/>
+                <a:cs typeface="Courier New" panose="02070309020205020404" pitchFamily="49" charset="0"/>
+              </a:rPr>
             </a:br>
             <a:r>
               <a:rPr lang="en-US" dirty="0">
                 <a:latin typeface="Courier New" panose="02070309020205020404" pitchFamily="49" charset="0"/>
                 <a:cs typeface="Courier New" panose="02070309020205020404" pitchFamily="49" charset="0"/>
               </a:rPr>
-              <a:t>tr1 = </a:t>
-            </a:r>
-            <a:r>
-              <a:rPr lang="en-US" dirty="0" err="1">
-                <a:latin typeface="Courier New" panose="02070309020205020404" pitchFamily="49" charset="0"/>
-                <a:cs typeface="Courier New" panose="02070309020205020404" pitchFamily="49" charset="0"/>
-              </a:rPr>
-              <a:t>spark.sql</a:t>
-            </a:r>
-            <a:r>
-              <a:rPr lang="en-US" dirty="0">
-                <a:latin typeface="Courier New" panose="02070309020205020404" pitchFamily="49" charset="0"/>
-                <a:cs typeface="Courier New" panose="02070309020205020404" pitchFamily="49" charset="0"/>
-              </a:rPr>
-              <a:t>("SELECT </a:t>
-            </a:r>
-            <a:r>
-              <a:rPr lang="en-US" dirty="0" err="1">
-                <a:latin typeface="Courier New" panose="02070309020205020404" pitchFamily="49" charset="0"/>
-                <a:cs typeface="Courier New" panose="02070309020205020404" pitchFamily="49" charset="0"/>
-              </a:rPr>
-              <a:t>RegionID</a:t>
-            </a:r>
-            <a:r>
-              <a:rPr lang="en-US" dirty="0">
-                <a:latin typeface="Courier New" panose="02070309020205020404" pitchFamily="49" charset="0"/>
-                <a:cs typeface="Courier New" panose="02070309020205020404" pitchFamily="49" charset="0"/>
-              </a:rPr>
-              <a:t>, </a:t>
-            </a:r>
-            <a:r>
-              <a:rPr lang="en-US" dirty="0" err="1">
-                <a:latin typeface="Courier New" panose="02070309020205020404" pitchFamily="49" charset="0"/>
-                <a:cs typeface="Courier New" panose="02070309020205020404" pitchFamily="49" charset="0"/>
-              </a:rPr>
-              <a:t>collect_list</a:t>
-            </a:r>
-            <a:r>
-              <a:rPr lang="en-US" dirty="0">
-                <a:latin typeface="Courier New" panose="02070309020205020404" pitchFamily="49" charset="0"/>
-                <a:cs typeface="Courier New" panose="02070309020205020404" pitchFamily="49" charset="0"/>
-              </a:rPr>
-              <a:t>(</a:t>
-            </a:r>
-            <a:r>
-              <a:rPr lang="en-US" dirty="0" err="1">
-                <a:latin typeface="Courier New" panose="02070309020205020404" pitchFamily="49" charset="0"/>
-                <a:cs typeface="Courier New" panose="02070309020205020404" pitchFamily="49" charset="0"/>
-              </a:rPr>
-              <a:t>TerritoryName</a:t>
-            </a:r>
-            <a:r>
-              <a:rPr lang="en-US" dirty="0">
-                <a:latin typeface="Courier New" panose="02070309020205020404" pitchFamily="49" charset="0"/>
-                <a:cs typeface="Courier New" panose="02070309020205020404" pitchFamily="49" charset="0"/>
-              </a:rPr>
-              <a:t>) AS </a:t>
-            </a:r>
-            <a:r>
-              <a:rPr lang="en-US" dirty="0" err="1">
-                <a:latin typeface="Courier New" panose="02070309020205020404" pitchFamily="49" charset="0"/>
-                <a:cs typeface="Courier New" panose="02070309020205020404" pitchFamily="49" charset="0"/>
-              </a:rPr>
-              <a:t>TerritoryList</a:t>
-            </a:r>
-            <a:r>
-              <a:rPr lang="en-US" dirty="0">
-                <a:latin typeface="Courier New" panose="02070309020205020404" pitchFamily="49" charset="0"/>
-                <a:cs typeface="Courier New" panose="02070309020205020404" pitchFamily="49" charset="0"/>
-              </a:rPr>
-              <a:t> </a:t>
+              <a:t>FROM Territories </a:t>
             </a:r>
             <a:br>
               <a:rPr lang="en-US" dirty="0">
@@ -9096,34 +8793,7 @@
                 <a:latin typeface="Courier New" panose="02070309020205020404" pitchFamily="49" charset="0"/>
                 <a:cs typeface="Courier New" panose="02070309020205020404" pitchFamily="49" charset="0"/>
               </a:rPr>
-              <a:t>FROM Territories </a:t>
-            </a:r>
-            <a:br>
-              <a:rPr lang="en-US" dirty="0">
-                <a:latin typeface="Courier New" panose="02070309020205020404" pitchFamily="49" charset="0"/>
-                <a:cs typeface="Courier New" panose="02070309020205020404" pitchFamily="49" charset="0"/>
-              </a:rPr>
-            </a:br>
-            <a:r>
-              <a:rPr lang="en-US" dirty="0">
-                <a:latin typeface="Courier New" panose="02070309020205020404" pitchFamily="49" charset="0"/>
-                <a:cs typeface="Courier New" panose="02070309020205020404" pitchFamily="49" charset="0"/>
-              </a:rPr>
-              <a:t>GROUP BY </a:t>
-            </a:r>
-            <a:r>
-              <a:rPr lang="en-US" dirty="0" err="1">
-                <a:latin typeface="Courier New" panose="02070309020205020404" pitchFamily="49" charset="0"/>
-                <a:cs typeface="Courier New" panose="02070309020205020404" pitchFamily="49" charset="0"/>
-              </a:rPr>
-              <a:t>RegionID</a:t>
-            </a:r>
-            <a:r>
-              <a:rPr lang="en-US" dirty="0">
-                <a:latin typeface="Courier New" panose="02070309020205020404" pitchFamily="49" charset="0"/>
-                <a:cs typeface="Courier New" panose="02070309020205020404" pitchFamily="49" charset="0"/>
-              </a:rPr>
-              <a:t>")</a:t>
+              <a:t>GROUP BY RegionID")</a:t>
             </a:r>
             <a:br>
               <a:rPr lang="en-US" dirty="0">
@@ -9198,10 +8868,9 @@
           <a:lstStyle/>
           <a:p>
             <a:r>
-              <a:rPr lang="en-US" dirty="0" err="1"/>
+              <a:rPr lang="en-US" dirty="0"/>
               <a:t>Collect_List</a:t>
             </a:r>
-            <a:endParaRPr lang="en-US" dirty="0"/>
           </a:p>
         </p:txBody>
       </p:sp>
@@ -9252,7 +8921,18 @@
           <a:p>
             <a:r>
               <a:rPr lang="en-US" dirty="0"/>
-              <a:t>While it could be done using pure Spark methods, it is much easier to use HQL's NAMED_STRUCT function to create a Spark array of structs</a:t>
+              <a:t>While it could be done using pure Spark methods, it is much easier to use HQL’s </a:t>
+            </a:r>
+            <a:r>
+              <a:rPr lang="en-US" dirty="0">
+                <a:latin typeface="Courier New" panose="02070309020205020404" pitchFamily="49" charset="0"/>
+                <a:cs typeface="Courier New" panose="02070309020205020404" pitchFamily="49" charset="0"/>
+              </a:rPr>
+              <a:t>NAMED_STRUCT</a:t>
+            </a:r>
+            <a:r>
+              <a:rPr lang="en-US" dirty="0"/>
+              <a:t> function to create a Spark array of structs</a:t>
             </a:r>
           </a:p>
           <a:p>
@@ -9264,35 +8944,7 @@
                 <a:latin typeface="Courier New" panose="02070309020205020404" pitchFamily="49" charset="0"/>
                 <a:cs typeface="Courier New" panose="02070309020205020404" pitchFamily="49" charset="0"/>
               </a:rPr>
-              <a:t>SELECT </a:t>
-            </a:r>
-            <a:r>
-              <a:rPr lang="en-US" dirty="0" err="1">
-                <a:latin typeface="Courier New" panose="02070309020205020404" pitchFamily="49" charset="0"/>
-                <a:cs typeface="Courier New" panose="02070309020205020404" pitchFamily="49" charset="0"/>
-              </a:rPr>
-              <a:t>r.RegionID</a:t>
-            </a:r>
-            <a:r>
-              <a:rPr lang="en-US" dirty="0">
-                <a:latin typeface="Courier New" panose="02070309020205020404" pitchFamily="49" charset="0"/>
-                <a:cs typeface="Courier New" panose="02070309020205020404" pitchFamily="49" charset="0"/>
-              </a:rPr>
-              <a:t>, </a:t>
-            </a:r>
-            <a:r>
-              <a:rPr lang="en-US" dirty="0" err="1">
-                <a:latin typeface="Courier New" panose="02070309020205020404" pitchFamily="49" charset="0"/>
-                <a:cs typeface="Courier New" panose="02070309020205020404" pitchFamily="49" charset="0"/>
-              </a:rPr>
-              <a:t>r.RegionName</a:t>
-            </a:r>
-            <a:r>
-              <a:rPr lang="en-US" dirty="0">
-                <a:latin typeface="Courier New" panose="02070309020205020404" pitchFamily="49" charset="0"/>
-                <a:cs typeface="Courier New" panose="02070309020205020404" pitchFamily="49" charset="0"/>
-              </a:rPr>
-              <a:t>,</a:t>
+              <a:t>SELECT r.RegionID, r.RegionName,</a:t>
             </a:r>
             <a:br>
               <a:rPr lang="en-US" dirty="0">
@@ -9305,70 +8957,7 @@
                 <a:latin typeface="Courier New" panose="02070309020205020404" pitchFamily="49" charset="0"/>
                 <a:cs typeface="Courier New" panose="02070309020205020404" pitchFamily="49" charset="0"/>
               </a:rPr>
-              <a:t>COLLECT_SET(NAMED_STRUCT("</a:t>
-            </a:r>
-            <a:r>
-              <a:rPr lang="en-US" dirty="0" err="1">
-                <a:latin typeface="Courier New" panose="02070309020205020404" pitchFamily="49" charset="0"/>
-                <a:cs typeface="Courier New" panose="02070309020205020404" pitchFamily="49" charset="0"/>
-              </a:rPr>
-              <a:t>TerritoryID</a:t>
-            </a:r>
-            <a:r>
-              <a:rPr lang="en-US" dirty="0">
-                <a:latin typeface="Courier New" panose="02070309020205020404" pitchFamily="49" charset="0"/>
-                <a:cs typeface="Courier New" panose="02070309020205020404" pitchFamily="49" charset="0"/>
-              </a:rPr>
-              <a:t>", </a:t>
-            </a:r>
-            <a:r>
-              <a:rPr lang="en-US" dirty="0" err="1">
-                <a:latin typeface="Courier New" panose="02070309020205020404" pitchFamily="49" charset="0"/>
-                <a:cs typeface="Courier New" panose="02070309020205020404" pitchFamily="49" charset="0"/>
-              </a:rPr>
-              <a:t>TerritoryID</a:t>
-            </a:r>
-            <a:r>
-              <a:rPr lang="en-US" dirty="0">
-                <a:latin typeface="Courier New" panose="02070309020205020404" pitchFamily="49" charset="0"/>
-                <a:cs typeface="Courier New" panose="02070309020205020404" pitchFamily="49" charset="0"/>
-              </a:rPr>
-              <a:t>, "</a:t>
-            </a:r>
-            <a:r>
-              <a:rPr lang="en-US" dirty="0" err="1">
-                <a:latin typeface="Courier New" panose="02070309020205020404" pitchFamily="49" charset="0"/>
-                <a:cs typeface="Courier New" panose="02070309020205020404" pitchFamily="49" charset="0"/>
-              </a:rPr>
-              <a:t>TerritoryName</a:t>
-            </a:r>
-            <a:r>
-              <a:rPr lang="en-US" dirty="0">
-                <a:latin typeface="Courier New" panose="02070309020205020404" pitchFamily="49" charset="0"/>
-                <a:cs typeface="Courier New" panose="02070309020205020404" pitchFamily="49" charset="0"/>
-              </a:rPr>
-              <a:t>", </a:t>
-            </a:r>
-            <a:r>
-              <a:rPr lang="en-US" dirty="0" err="1">
-                <a:latin typeface="Courier New" panose="02070309020205020404" pitchFamily="49" charset="0"/>
-                <a:cs typeface="Courier New" panose="02070309020205020404" pitchFamily="49" charset="0"/>
-              </a:rPr>
-              <a:t>TerritoryName</a:t>
-            </a:r>
-            <a:r>
-              <a:rPr lang="en-US" dirty="0">
-                <a:latin typeface="Courier New" panose="02070309020205020404" pitchFamily="49" charset="0"/>
-                <a:cs typeface="Courier New" panose="02070309020205020404" pitchFamily="49" charset="0"/>
-              </a:rPr>
-              <a:t>)) AS </a:t>
-            </a:r>
-            <a:r>
-              <a:rPr lang="en-US" dirty="0" err="1">
-                <a:latin typeface="Courier New" panose="02070309020205020404" pitchFamily="49" charset="0"/>
-                <a:cs typeface="Courier New" panose="02070309020205020404" pitchFamily="49" charset="0"/>
-              </a:rPr>
-              <a:t>TerritoryList</a:t>
+              <a:t>COLLECT_SET(NAMED_STRUCT("TerritoryID", TerritoryID, "TerritoryName", TerritoryName)) AS TerritoryList</a:t>
             </a:r>
             <a:br>
               <a:rPr lang="en-US" dirty="0">
@@ -9394,28 +8983,7 @@
                 <a:latin typeface="Courier New" panose="02070309020205020404" pitchFamily="49" charset="0"/>
                 <a:cs typeface="Courier New" panose="02070309020205020404" pitchFamily="49" charset="0"/>
               </a:rPr>
-              <a:t>JOIN Territories AS t ON </a:t>
-            </a:r>
-            <a:r>
-              <a:rPr lang="en-US" dirty="0" err="1">
-                <a:latin typeface="Courier New" panose="02070309020205020404" pitchFamily="49" charset="0"/>
-                <a:cs typeface="Courier New" panose="02070309020205020404" pitchFamily="49" charset="0"/>
-              </a:rPr>
-              <a:t>r.RegionID</a:t>
-            </a:r>
-            <a:r>
-              <a:rPr lang="en-US" dirty="0">
-                <a:latin typeface="Courier New" panose="02070309020205020404" pitchFamily="49" charset="0"/>
-                <a:cs typeface="Courier New" panose="02070309020205020404" pitchFamily="49" charset="0"/>
-              </a:rPr>
-              <a:t> = </a:t>
-            </a:r>
-            <a:r>
-              <a:rPr lang="en-US" dirty="0" err="1">
-                <a:latin typeface="Courier New" panose="02070309020205020404" pitchFamily="49" charset="0"/>
-                <a:cs typeface="Courier New" panose="02070309020205020404" pitchFamily="49" charset="0"/>
-              </a:rPr>
-              <a:t>t.RegionID</a:t>
+              <a:t>JOIN Territories AS t ON r.RegionID = t.RegionID</a:t>
             </a:r>
             <a:br>
               <a:rPr lang="en-US" dirty="0">
@@ -9428,28 +8996,7 @@
                 <a:latin typeface="Courier New" panose="02070309020205020404" pitchFamily="49" charset="0"/>
                 <a:cs typeface="Courier New" panose="02070309020205020404" pitchFamily="49" charset="0"/>
               </a:rPr>
-              <a:t>GROUP BY </a:t>
-            </a:r>
-            <a:r>
-              <a:rPr lang="en-US" dirty="0" err="1">
-                <a:latin typeface="Courier New" panose="02070309020205020404" pitchFamily="49" charset="0"/>
-                <a:cs typeface="Courier New" panose="02070309020205020404" pitchFamily="49" charset="0"/>
-              </a:rPr>
-              <a:t>r.RegionID</a:t>
-            </a:r>
-            <a:r>
-              <a:rPr lang="en-US" dirty="0">
-                <a:latin typeface="Courier New" panose="02070309020205020404" pitchFamily="49" charset="0"/>
-                <a:cs typeface="Courier New" panose="02070309020205020404" pitchFamily="49" charset="0"/>
-              </a:rPr>
-              <a:t>, </a:t>
-            </a:r>
-            <a:r>
-              <a:rPr lang="en-US" dirty="0" err="1">
-                <a:latin typeface="Courier New" panose="02070309020205020404" pitchFamily="49" charset="0"/>
-                <a:cs typeface="Courier New" panose="02070309020205020404" pitchFamily="49" charset="0"/>
-              </a:rPr>
-              <a:t>r.RegionName</a:t>
+              <a:t>GROUP BY r.RegionID, r.RegionName</a:t>
             </a:r>
             <a:br>
               <a:rPr lang="en-US" dirty="0">
@@ -9462,107 +9009,19 @@
                 <a:latin typeface="Courier New" panose="02070309020205020404" pitchFamily="49" charset="0"/>
                 <a:cs typeface="Courier New" panose="02070309020205020404" pitchFamily="49" charset="0"/>
               </a:rPr>
-              <a:t>ORDER BY </a:t>
-            </a:r>
-            <a:r>
-              <a:rPr lang="en-US" dirty="0" err="1">
-                <a:latin typeface="Courier New" panose="02070309020205020404" pitchFamily="49" charset="0"/>
-                <a:cs typeface="Courier New" panose="02070309020205020404" pitchFamily="49" charset="0"/>
-              </a:rPr>
-              <a:t>r.RegionID</a:t>
-            </a:r>
-            <a:endParaRPr lang="en-US" dirty="0">
-              <a:latin typeface="Courier New" panose="02070309020205020404" pitchFamily="49" charset="0"/>
-              <a:cs typeface="Courier New" panose="02070309020205020404" pitchFamily="49" charset="0"/>
-            </a:endParaRPr>
+              <a:t>ORDER BY r.RegionID</a:t>
+            </a:r>
           </a:p>
           <a:p>
             <a:pPr marL="0" indent="0">
               <a:buNone/>
             </a:pPr>
             <a:r>
-              <a:rPr lang="en-US" dirty="0" err="1">
-                <a:latin typeface="Courier New" panose="02070309020205020404" pitchFamily="49" charset="0"/>
-                <a:cs typeface="Courier New" panose="02070309020205020404" pitchFamily="49" charset="0"/>
-              </a:rPr>
-              <a:t>DataFrame</a:t>
-            </a:r>
-            <a:r>
-              <a:rPr lang="en-US" dirty="0">
-                <a:latin typeface="Courier New" panose="02070309020205020404" pitchFamily="49" charset="0"/>
-                <a:cs typeface="Courier New" panose="02070309020205020404" pitchFamily="49" charset="0"/>
-              </a:rPr>
-              <a:t>[</a:t>
-            </a:r>
-            <a:r>
-              <a:rPr lang="en-US" dirty="0" err="1">
-                <a:latin typeface="Courier New" panose="02070309020205020404" pitchFamily="49" charset="0"/>
-                <a:cs typeface="Courier New" panose="02070309020205020404" pitchFamily="49" charset="0"/>
-              </a:rPr>
-              <a:t>RegionID</a:t>
-            </a:r>
-            <a:r>
-              <a:rPr lang="en-US" dirty="0">
-                <a:latin typeface="Courier New" panose="02070309020205020404" pitchFamily="49" charset="0"/>
-                <a:cs typeface="Courier New" panose="02070309020205020404" pitchFamily="49" charset="0"/>
-              </a:rPr>
-              <a:t>: </a:t>
-            </a:r>
-            <a:r>
-              <a:rPr lang="en-US" dirty="0" err="1">
-                <a:latin typeface="Courier New" panose="02070309020205020404" pitchFamily="49" charset="0"/>
-                <a:cs typeface="Courier New" panose="02070309020205020404" pitchFamily="49" charset="0"/>
-              </a:rPr>
-              <a:t>int</a:t>
-            </a:r>
-            <a:r>
-              <a:rPr lang="en-US" dirty="0">
-                <a:latin typeface="Courier New" panose="02070309020205020404" pitchFamily="49" charset="0"/>
-                <a:cs typeface="Courier New" panose="02070309020205020404" pitchFamily="49" charset="0"/>
-              </a:rPr>
-              <a:t>, </a:t>
-            </a:r>
-            <a:r>
-              <a:rPr lang="en-US" dirty="0" err="1">
-                <a:latin typeface="Courier New" panose="02070309020205020404" pitchFamily="49" charset="0"/>
-                <a:cs typeface="Courier New" panose="02070309020205020404" pitchFamily="49" charset="0"/>
-              </a:rPr>
-              <a:t>RegionName</a:t>
-            </a:r>
-            <a:r>
-              <a:rPr lang="en-US" dirty="0">
-                <a:latin typeface="Courier New" panose="02070309020205020404" pitchFamily="49" charset="0"/>
-                <a:cs typeface="Courier New" panose="02070309020205020404" pitchFamily="49" charset="0"/>
-              </a:rPr>
-              <a:t>: string, </a:t>
-            </a:r>
-            <a:r>
-              <a:rPr lang="en-US" dirty="0" err="1">
-                <a:latin typeface="Courier New" panose="02070309020205020404" pitchFamily="49" charset="0"/>
-                <a:cs typeface="Courier New" panose="02070309020205020404" pitchFamily="49" charset="0"/>
-              </a:rPr>
-              <a:t>TerritoryList</a:t>
-            </a:r>
-            <a:r>
-              <a:rPr lang="en-US" dirty="0">
-                <a:latin typeface="Courier New" panose="02070309020205020404" pitchFamily="49" charset="0"/>
-                <a:cs typeface="Courier New" panose="02070309020205020404" pitchFamily="49" charset="0"/>
-              </a:rPr>
-              <a:t>: array&lt;struct&lt;</a:t>
-            </a:r>
-            <a:r>
-              <a:rPr lang="en-US" dirty="0" err="1">
-                <a:latin typeface="Courier New" panose="02070309020205020404" pitchFamily="49" charset="0"/>
-                <a:cs typeface="Courier New" panose="02070309020205020404" pitchFamily="49" charset="0"/>
-              </a:rPr>
-              <a:t>TerritoryID:string,TerritoryName:string</a:t>
-            </a:r>
-            <a:r>
-              <a:rPr lang="en-US" dirty="0">
-                <a:latin typeface="Courier New" panose="02070309020205020404" pitchFamily="49" charset="0"/>
-                <a:cs typeface="Courier New" panose="02070309020205020404" pitchFamily="49" charset="0"/>
-              </a:rPr>
-              <a:t>&gt;&gt;]</a:t>
+              <a:rPr lang="en-US" dirty="0">
+                <a:latin typeface="Courier New" panose="02070309020205020404" pitchFamily="49" charset="0"/>
+                <a:cs typeface="Courier New" panose="02070309020205020404" pitchFamily="49" charset="0"/>
+              </a:rPr>
+              <a:t>DataFrame[RegionID: int, RegionName: string, TerritoryList: array&lt;struct&lt;TerritoryID:string,TerritoryName:string&gt;&gt;]</a:t>
             </a:r>
           </a:p>
           <a:p>
@@ -9596,13 +9055,8 @@
           <a:p>
             <a:r>
               <a:rPr lang="en-US" dirty="0"/>
-              <a:t>Complex </a:t>
-            </a:r>
-            <a:r>
-              <a:rPr lang="en-US" dirty="0" err="1"/>
-              <a:t>Collect_List</a:t>
-            </a:r>
-            <a:endParaRPr lang="en-US" dirty="0"/>
+              <a:t>Complex Collect_List</a:t>
+            </a:r>
           </a:p>
         </p:txBody>
       </p:sp>
@@ -9649,7 +9103,7 @@
         <p:spPr>
           <a:xfrm>
             <a:off x="581025" y="1155614"/>
-            <a:ext cx="8402554" cy="5072616"/>
+            <a:ext cx="8110129" cy="5072616"/>
           </a:xfrm>
         </p:spPr>
         <p:txBody>
@@ -9658,84 +9112,49 @@
           <a:p>
             <a:r>
               <a:rPr lang="en-US" dirty="0"/>
-              <a:t>Sometime you get data that is nested in this form and you want to flatten it out</a:t>
-            </a:r>
-          </a:p>
-          <a:p>
-            <a:r>
-              <a:rPr lang="en-US" dirty="0"/>
-              <a:t>This could happen if you read from a complex data source like JSON, XML or a Hive table that is structured this way</a:t>
-            </a:r>
-          </a:p>
-          <a:p>
-            <a:r>
-              <a:rPr lang="en-US" dirty="0"/>
-              <a:t>To flatten out an embedded array of values there is a Spark function called explode</a:t>
+              <a:t>Sometimes you get data that is nested in this form and you want to flatten it out</a:t>
+            </a:r>
+          </a:p>
+          <a:p>
+            <a:r>
+              <a:rPr lang="en-US" dirty="0"/>
+              <a:t>This could happen if you read from a complex data source like JSON, XML, or a Hive table that is structured this way</a:t>
+            </a:r>
+          </a:p>
+          <a:p>
+            <a:r>
+              <a:rPr lang="en-US" dirty="0"/>
+              <a:t>To flatten out an embedded array of values, there is a Spark function called explode</a:t>
             </a:r>
             <a:br>
               <a:rPr lang="en-US" dirty="0"/>
             </a:br>
             <a:r>
-              <a:rPr lang="en-US" dirty="0">
-                <a:latin typeface="Courier New" panose="02070309020205020404" pitchFamily="49" charset="0"/>
-                <a:cs typeface="Courier New" panose="02070309020205020404" pitchFamily="49" charset="0"/>
-              </a:rPr>
-              <a:t>from </a:t>
-            </a:r>
-            <a:r>
-              <a:rPr lang="en-US" dirty="0" err="1">
-                <a:latin typeface="Courier New" panose="02070309020205020404" pitchFamily="49" charset="0"/>
-                <a:cs typeface="Courier New" panose="02070309020205020404" pitchFamily="49" charset="0"/>
-              </a:rPr>
-              <a:t>pyspark.sql.functions</a:t>
-            </a:r>
-            <a:r>
-              <a:rPr lang="en-US" dirty="0">
-                <a:latin typeface="Courier New" panose="02070309020205020404" pitchFamily="49" charset="0"/>
-                <a:cs typeface="Courier New" panose="02070309020205020404" pitchFamily="49" charset="0"/>
-              </a:rPr>
-              <a:t> import explode</a:t>
+              <a:rPr lang="en-US" sz="500" dirty="0"/>
+              <a:t> </a:t>
             </a:r>
             <a:br>
-              <a:rPr lang="en-US" dirty="0">
-                <a:latin typeface="Courier New" panose="02070309020205020404" pitchFamily="49" charset="0"/>
-                <a:cs typeface="Courier New" panose="02070309020205020404" pitchFamily="49" charset="0"/>
-              </a:rPr>
+              <a:rPr lang="en-US" dirty="0"/>
             </a:br>
             <a:r>
               <a:rPr lang="en-US" dirty="0">
                 <a:latin typeface="Courier New" panose="02070309020205020404" pitchFamily="49" charset="0"/>
                 <a:cs typeface="Courier New" panose="02070309020205020404" pitchFamily="49" charset="0"/>
               </a:rPr>
-              <a:t>tr1.select('</a:t>
-            </a:r>
-            <a:r>
-              <a:rPr lang="en-US" dirty="0" err="1">
-                <a:latin typeface="Courier New" panose="02070309020205020404" pitchFamily="49" charset="0"/>
-                <a:cs typeface="Courier New" panose="02070309020205020404" pitchFamily="49" charset="0"/>
-              </a:rPr>
-              <a:t>RegionID</a:t>
-            </a:r>
-            <a:r>
-              <a:rPr lang="en-US" dirty="0">
-                <a:latin typeface="Courier New" panose="02070309020205020404" pitchFamily="49" charset="0"/>
-                <a:cs typeface="Courier New" panose="02070309020205020404" pitchFamily="49" charset="0"/>
-              </a:rPr>
-              <a:t>', explode('</a:t>
-            </a:r>
-            <a:r>
-              <a:rPr lang="en-US" dirty="0" err="1">
-                <a:latin typeface="Courier New" panose="02070309020205020404" pitchFamily="49" charset="0"/>
-                <a:cs typeface="Courier New" panose="02070309020205020404" pitchFamily="49" charset="0"/>
-              </a:rPr>
-              <a:t>TerritoryList</a:t>
-            </a:r>
-            <a:r>
-              <a:rPr lang="en-US" dirty="0">
-                <a:latin typeface="Courier New" panose="02070309020205020404" pitchFamily="49" charset="0"/>
-                <a:cs typeface="Courier New" panose="02070309020205020404" pitchFamily="49" charset="0"/>
-              </a:rPr>
-              <a:t>')).show()</a:t>
+              <a:t>from pyspark.sql.functions import explode</a:t>
+            </a:r>
+            <a:br>
+              <a:rPr lang="en-US" dirty="0">
+                <a:latin typeface="Courier New" panose="02070309020205020404" pitchFamily="49" charset="0"/>
+                <a:cs typeface="Courier New" panose="02070309020205020404" pitchFamily="49" charset="0"/>
+              </a:rPr>
+            </a:br>
+            <a:r>
+              <a:rPr lang="en-US" dirty="0">
+                <a:latin typeface="Courier New" panose="02070309020205020404" pitchFamily="49" charset="0"/>
+                <a:cs typeface="Courier New" panose="02070309020205020404" pitchFamily="49" charset="0"/>
+              </a:rPr>
+              <a:t>tr1.select('RegionID', explode('TerritoryList')).show()</a:t>
             </a:r>
           </a:p>
           <a:p>
@@ -9747,66 +9166,18 @@
               <a:rPr lang="en-US" dirty="0"/>
             </a:br>
             <a:r>
-              <a:rPr lang="en-US" dirty="0">
-                <a:latin typeface="Courier New" panose="02070309020205020404" pitchFamily="49" charset="0"/>
-                <a:cs typeface="Courier New" panose="02070309020205020404" pitchFamily="49" charset="0"/>
-              </a:rPr>
-              <a:t>tr1.createOrReplaceTempView('</a:t>
-            </a:r>
-            <a:r>
-              <a:rPr lang="en-US" dirty="0" err="1">
-                <a:latin typeface="Courier New" panose="02070309020205020404" pitchFamily="49" charset="0"/>
-                <a:cs typeface="Courier New" panose="02070309020205020404" pitchFamily="49" charset="0"/>
-              </a:rPr>
-              <a:t>RegionTerritories</a:t>
-            </a:r>
-            <a:r>
-              <a:rPr lang="en-US" dirty="0">
-                <a:latin typeface="Courier New" panose="02070309020205020404" pitchFamily="49" charset="0"/>
-                <a:cs typeface="Courier New" panose="02070309020205020404" pitchFamily="49" charset="0"/>
-              </a:rPr>
-              <a:t>')</a:t>
+              <a:rPr lang="en-US" sz="1100" dirty="0"/>
+              <a:t> </a:t>
             </a:r>
             <a:br>
-              <a:rPr lang="en-US" dirty="0">
-                <a:latin typeface="Courier New" panose="02070309020205020404" pitchFamily="49" charset="0"/>
-                <a:cs typeface="Courier New" panose="02070309020205020404" pitchFamily="49" charset="0"/>
-              </a:rPr>
+              <a:rPr lang="en-US" dirty="0"/>
             </a:br>
             <a:r>
-              <a:rPr lang="en-US" dirty="0" err="1">
-                <a:latin typeface="Courier New" panose="02070309020205020404" pitchFamily="49" charset="0"/>
-                <a:cs typeface="Courier New" panose="02070309020205020404" pitchFamily="49" charset="0"/>
-              </a:rPr>
-              <a:t>sql</a:t>
-            </a:r>
-            <a:r>
-              <a:rPr lang="en-US" dirty="0">
-                <a:latin typeface="Courier New" panose="02070309020205020404" pitchFamily="49" charset="0"/>
-                <a:cs typeface="Courier New" panose="02070309020205020404" pitchFamily="49" charset="0"/>
-              </a:rPr>
-              <a:t> = """SELECT </a:t>
-            </a:r>
-            <a:r>
-              <a:rPr lang="en-US" dirty="0" err="1">
-                <a:latin typeface="Courier New" panose="02070309020205020404" pitchFamily="49" charset="0"/>
-                <a:cs typeface="Courier New" panose="02070309020205020404" pitchFamily="49" charset="0"/>
-              </a:rPr>
-              <a:t>RegionID</a:t>
-            </a:r>
-            <a:r>
-              <a:rPr lang="en-US" dirty="0">
-                <a:latin typeface="Courier New" panose="02070309020205020404" pitchFamily="49" charset="0"/>
-                <a:cs typeface="Courier New" panose="02070309020205020404" pitchFamily="49" charset="0"/>
-              </a:rPr>
-              <a:t>, </a:t>
-            </a:r>
-            <a:r>
-              <a:rPr lang="en-US" dirty="0" err="1">
-                <a:latin typeface="Courier New" panose="02070309020205020404" pitchFamily="49" charset="0"/>
-                <a:cs typeface="Courier New" panose="02070309020205020404" pitchFamily="49" charset="0"/>
-              </a:rPr>
-              <a:t>TerritoryName</a:t>
+              <a:rPr lang="en-US" dirty="0">
+                <a:latin typeface="Courier New" panose="02070309020205020404" pitchFamily="49" charset="0"/>
+                <a:cs typeface="Courier New" panose="02070309020205020404" pitchFamily="49" charset="0"/>
+              </a:rPr>
+              <a:t>tr1.createOrReplaceTempView('RegionTerritories')</a:t>
             </a:r>
             <a:br>
               <a:rPr lang="en-US" dirty="0">
@@ -9819,14 +9190,7 @@
                 <a:latin typeface="Courier New" panose="02070309020205020404" pitchFamily="49" charset="0"/>
                 <a:cs typeface="Courier New" panose="02070309020205020404" pitchFamily="49" charset="0"/>
               </a:rPr>
-              <a:t>FROM </a:t>
-            </a:r>
-            <a:r>
-              <a:rPr lang="en-US" dirty="0" err="1">
-                <a:latin typeface="Courier New" panose="02070309020205020404" pitchFamily="49" charset="0"/>
-                <a:cs typeface="Courier New" panose="02070309020205020404" pitchFamily="49" charset="0"/>
-              </a:rPr>
-              <a:t>RegionTerritories</a:t>
+              <a:t>sql = """SELECT RegionID, TerritoryName</a:t>
             </a:r>
             <a:br>
               <a:rPr lang="en-US" dirty="0">
@@ -9839,21 +9203,7 @@
                 <a:latin typeface="Courier New" panose="02070309020205020404" pitchFamily="49" charset="0"/>
                 <a:cs typeface="Courier New" panose="02070309020205020404" pitchFamily="49" charset="0"/>
               </a:rPr>
-              <a:t>LATERAL VIEW EXPLODE(</a:t>
-            </a:r>
-            <a:r>
-              <a:rPr lang="en-US" dirty="0" err="1">
-                <a:latin typeface="Courier New" panose="02070309020205020404" pitchFamily="49" charset="0"/>
-                <a:cs typeface="Courier New" panose="02070309020205020404" pitchFamily="49" charset="0"/>
-              </a:rPr>
-              <a:t>TerritoryList</a:t>
-            </a:r>
-            <a:r>
-              <a:rPr lang="en-US" dirty="0">
-                <a:latin typeface="Courier New" panose="02070309020205020404" pitchFamily="49" charset="0"/>
-                <a:cs typeface="Courier New" panose="02070309020205020404" pitchFamily="49" charset="0"/>
-              </a:rPr>
-              <a:t>) </a:t>
+              <a:t>FROM RegionTerritories</a:t>
             </a:r>
             <a:br>
               <a:rPr lang="en-US" dirty="0">
@@ -9866,21 +9216,7 @@
                 <a:latin typeface="Courier New" panose="02070309020205020404" pitchFamily="49" charset="0"/>
                 <a:cs typeface="Courier New" panose="02070309020205020404" pitchFamily="49" charset="0"/>
               </a:rPr>
-              <a:t>EXPLODED_TABLE AS </a:t>
-            </a:r>
-            <a:r>
-              <a:rPr lang="en-US" dirty="0" err="1">
-                <a:latin typeface="Courier New" panose="02070309020205020404" pitchFamily="49" charset="0"/>
-                <a:cs typeface="Courier New" panose="02070309020205020404" pitchFamily="49" charset="0"/>
-              </a:rPr>
-              <a:t>TerritoryName</a:t>
-            </a:r>
-            <a:r>
-              <a:rPr lang="en-US" dirty="0">
-                <a:latin typeface="Courier New" panose="02070309020205020404" pitchFamily="49" charset="0"/>
-                <a:cs typeface="Courier New" panose="02070309020205020404" pitchFamily="49" charset="0"/>
-              </a:rPr>
-              <a:t> </a:t>
+              <a:t>LATERAL VIEW EXPLODE(TerritoryList) </a:t>
             </a:r>
             <a:br>
               <a:rPr lang="en-US" dirty="0">
@@ -9893,35 +9229,7 @@
                 <a:latin typeface="Courier New" panose="02070309020205020404" pitchFamily="49" charset="0"/>
                 <a:cs typeface="Courier New" panose="02070309020205020404" pitchFamily="49" charset="0"/>
               </a:rPr>
-              <a:t>ORDER BY </a:t>
-            </a:r>
-            <a:r>
-              <a:rPr lang="en-US" dirty="0" err="1">
-                <a:latin typeface="Courier New" panose="02070309020205020404" pitchFamily="49" charset="0"/>
-                <a:cs typeface="Courier New" panose="02070309020205020404" pitchFamily="49" charset="0"/>
-              </a:rPr>
-              <a:t>RegionID</a:t>
-            </a:r>
-            <a:r>
-              <a:rPr lang="en-US" dirty="0">
-                <a:latin typeface="Courier New" panose="02070309020205020404" pitchFamily="49" charset="0"/>
-                <a:cs typeface="Courier New" panose="02070309020205020404" pitchFamily="49" charset="0"/>
-              </a:rPr>
-              <a:t>, </a:t>
-            </a:r>
-            <a:r>
-              <a:rPr lang="en-US" dirty="0" err="1">
-                <a:latin typeface="Courier New" panose="02070309020205020404" pitchFamily="49" charset="0"/>
-                <a:cs typeface="Courier New" panose="02070309020205020404" pitchFamily="49" charset="0"/>
-              </a:rPr>
-              <a:t>TerritoryName</a:t>
-            </a:r>
-            <a:r>
-              <a:rPr lang="en-US" dirty="0">
-                <a:latin typeface="Courier New" panose="02070309020205020404" pitchFamily="49" charset="0"/>
-                <a:cs typeface="Courier New" panose="02070309020205020404" pitchFamily="49" charset="0"/>
-              </a:rPr>
-              <a:t>"""</a:t>
+              <a:t>EXPLODED_TABLE AS TerritoryName </a:t>
             </a:r>
             <a:br>
               <a:rPr lang="en-US" dirty="0">
@@ -9930,32 +9238,24 @@
               </a:rPr>
             </a:br>
             <a:r>
-              <a:rPr lang="en-US" dirty="0" err="1">
-                <a:latin typeface="Courier New" panose="02070309020205020404" pitchFamily="49" charset="0"/>
-                <a:cs typeface="Courier New" panose="02070309020205020404" pitchFamily="49" charset="0"/>
-              </a:rPr>
-              <a:t>spark.sql</a:t>
-            </a:r>
-            <a:r>
-              <a:rPr lang="en-US" dirty="0">
-                <a:latin typeface="Courier New" panose="02070309020205020404" pitchFamily="49" charset="0"/>
-                <a:cs typeface="Courier New" panose="02070309020205020404" pitchFamily="49" charset="0"/>
-              </a:rPr>
-              <a:t>(</a:t>
-            </a:r>
-            <a:r>
-              <a:rPr lang="en-US" dirty="0" err="1">
-                <a:latin typeface="Courier New" panose="02070309020205020404" pitchFamily="49" charset="0"/>
-                <a:cs typeface="Courier New" panose="02070309020205020404" pitchFamily="49" charset="0"/>
-              </a:rPr>
-              <a:t>sql</a:t>
-            </a:r>
-            <a:r>
-              <a:rPr lang="en-US" dirty="0">
-                <a:latin typeface="Courier New" panose="02070309020205020404" pitchFamily="49" charset="0"/>
-                <a:cs typeface="Courier New" panose="02070309020205020404" pitchFamily="49" charset="0"/>
-              </a:rPr>
-              <a:t>).show()</a:t>
+              <a:rPr lang="en-US" dirty="0">
+                <a:latin typeface="Courier New" panose="02070309020205020404" pitchFamily="49" charset="0"/>
+                <a:cs typeface="Courier New" panose="02070309020205020404" pitchFamily="49" charset="0"/>
+              </a:rPr>
+              <a:t>ORDER BY RegionID, TerritoryName"""</a:t>
+            </a:r>
+            <a:br>
+              <a:rPr lang="en-US" dirty="0">
+                <a:latin typeface="Courier New" panose="02070309020205020404" pitchFamily="49" charset="0"/>
+                <a:cs typeface="Courier New" panose="02070309020205020404" pitchFamily="49" charset="0"/>
+              </a:rPr>
+            </a:br>
+            <a:r>
+              <a:rPr lang="en-US" dirty="0">
+                <a:latin typeface="Courier New" panose="02070309020205020404" pitchFamily="49" charset="0"/>
+                <a:cs typeface="Courier New" panose="02070309020205020404" pitchFamily="49" charset="0"/>
+              </a:rPr>
+              <a:t>spark.sql(sql).show()</a:t>
             </a:r>
           </a:p>
         </p:txBody>
@@ -10035,63 +9335,27 @@
           <a:p>
             <a:r>
               <a:rPr lang="en-US" dirty="0"/>
-              <a:t>If the object you are exploding contains a structure, you simply use dot syntax to drill down into the </a:t>
-            </a:r>
-            <a:r>
-              <a:rPr lang="en-US" dirty="0" err="1"/>
-              <a:t>subelements</a:t>
-            </a:r>
-            <a:r>
-              <a:rPr lang="en-US" dirty="0"/>
+              <a:t>If the object you are exploding contains a structure, you simply use dot syntax to drill down into the subelements </a:t>
+            </a:r>
+            <a:br>
+              <a:rPr lang="en-US" dirty="0"/>
+            </a:br>
+            <a:r>
+              <a:rPr lang="en-US" sz="1100" dirty="0"/>
               <a:t> </a:t>
             </a:r>
             <a:br>
               <a:rPr lang="en-US" dirty="0"/>
             </a:br>
             <a:r>
-              <a:rPr lang="en-US" dirty="0" err="1">
-                <a:latin typeface="Courier New" panose="02070309020205020404" pitchFamily="49" charset="0"/>
-                <a:cs typeface="Courier New" panose="02070309020205020404" pitchFamily="49" charset="0"/>
-              </a:rPr>
-              <a:t>sql</a:t>
-            </a:r>
-            <a:r>
-              <a:rPr lang="en-US" dirty="0">
-                <a:latin typeface="Courier New" panose="02070309020205020404" pitchFamily="49" charset="0"/>
-                <a:cs typeface="Courier New" panose="02070309020205020404" pitchFamily="49" charset="0"/>
-              </a:rPr>
-              <a:t> = """SELECT </a:t>
-            </a:r>
-            <a:r>
-              <a:rPr lang="en-US" dirty="0" err="1">
-                <a:latin typeface="Courier New" panose="02070309020205020404" pitchFamily="49" charset="0"/>
-                <a:cs typeface="Courier New" panose="02070309020205020404" pitchFamily="49" charset="0"/>
-              </a:rPr>
-              <a:t>RegionID</a:t>
-            </a:r>
-            <a:r>
-              <a:rPr lang="en-US" dirty="0">
-                <a:latin typeface="Courier New" panose="02070309020205020404" pitchFamily="49" charset="0"/>
-                <a:cs typeface="Courier New" panose="02070309020205020404" pitchFamily="49" charset="0"/>
-              </a:rPr>
-              <a:t>, </a:t>
-            </a:r>
-            <a:r>
-              <a:rPr lang="en-US" dirty="0" err="1">
-                <a:latin typeface="Courier New" panose="02070309020205020404" pitchFamily="49" charset="0"/>
-                <a:cs typeface="Courier New" panose="02070309020205020404" pitchFamily="49" charset="0"/>
-              </a:rPr>
-              <a:t>RegionName</a:t>
-            </a:r>
-            <a:r>
-              <a:rPr lang="en-US" dirty="0">
-                <a:latin typeface="Courier New" panose="02070309020205020404" pitchFamily="49" charset="0"/>
-                <a:cs typeface="Courier New" panose="02070309020205020404" pitchFamily="49" charset="0"/>
-              </a:rPr>
-              <a:t>, </a:t>
-            </a:r>
-            <a:r>
-              <a:rPr lang="en-US" b="1" dirty="0" err="1">
+              <a:rPr lang="en-US" dirty="0">
+                <a:latin typeface="Courier New" panose="02070309020205020404" pitchFamily="49" charset="0"/>
+                <a:cs typeface="Courier New" panose="02070309020205020404" pitchFamily="49" charset="0"/>
+              </a:rPr>
+              <a:t>sql = """SELECT RegionID, RegionName, </a:t>
+            </a:r>
+            <a:r>
+              <a:rPr lang="en-US" b="1" dirty="0">
                 <a:latin typeface="Courier New" panose="02070309020205020404" pitchFamily="49" charset="0"/>
                 <a:cs typeface="Courier New" panose="02070309020205020404" pitchFamily="49" charset="0"/>
               </a:rPr>
@@ -10102,24 +9366,10 @@
                 <a:latin typeface="Courier New" panose="02070309020205020404" pitchFamily="49" charset="0"/>
                 <a:cs typeface="Courier New" panose="02070309020205020404" pitchFamily="49" charset="0"/>
               </a:rPr>
-              <a:t> AS </a:t>
-            </a:r>
-            <a:r>
-              <a:rPr lang="en-US" dirty="0" err="1">
-                <a:latin typeface="Courier New" panose="02070309020205020404" pitchFamily="49" charset="0"/>
-                <a:cs typeface="Courier New" panose="02070309020205020404" pitchFamily="49" charset="0"/>
-              </a:rPr>
-              <a:t>TerritoryID</a:t>
-            </a:r>
-            <a:r>
-              <a:rPr lang="en-US" dirty="0">
-                <a:latin typeface="Courier New" panose="02070309020205020404" pitchFamily="49" charset="0"/>
-                <a:cs typeface="Courier New" panose="02070309020205020404" pitchFamily="49" charset="0"/>
-              </a:rPr>
-              <a:t>, </a:t>
-            </a:r>
-            <a:r>
-              <a:rPr lang="en-US" b="1" dirty="0" err="1">
+              <a:t> AS TerritoryID, </a:t>
+            </a:r>
+            <a:r>
+              <a:rPr lang="en-US" b="1" dirty="0">
                 <a:latin typeface="Courier New" panose="02070309020205020404" pitchFamily="49" charset="0"/>
                 <a:cs typeface="Courier New" panose="02070309020205020404" pitchFamily="49" charset="0"/>
               </a:rPr>
@@ -10130,14 +9380,7 @@
                 <a:latin typeface="Courier New" panose="02070309020205020404" pitchFamily="49" charset="0"/>
                 <a:cs typeface="Courier New" panose="02070309020205020404" pitchFamily="49" charset="0"/>
               </a:rPr>
-              <a:t> AS </a:t>
-            </a:r>
-            <a:r>
-              <a:rPr lang="en-US" dirty="0" err="1">
-                <a:latin typeface="Courier New" panose="02070309020205020404" pitchFamily="49" charset="0"/>
-                <a:cs typeface="Courier New" panose="02070309020205020404" pitchFamily="49" charset="0"/>
-              </a:rPr>
-              <a:t>TerritoryName</a:t>
+              <a:t> AS TerritoryName</a:t>
             </a:r>
             <a:br>
               <a:rPr lang="en-US" dirty="0">
@@ -10150,14 +9393,7 @@
                 <a:latin typeface="Courier New" panose="02070309020205020404" pitchFamily="49" charset="0"/>
                 <a:cs typeface="Courier New" panose="02070309020205020404" pitchFamily="49" charset="0"/>
               </a:rPr>
-              <a:t>FROM </a:t>
-            </a:r>
-            <a:r>
-              <a:rPr lang="en-US" dirty="0" err="1">
-                <a:latin typeface="Courier New" panose="02070309020205020404" pitchFamily="49" charset="0"/>
-                <a:cs typeface="Courier New" panose="02070309020205020404" pitchFamily="49" charset="0"/>
-              </a:rPr>
-              <a:t>RegionTerritories</a:t>
+              <a:t>FROM RegionTerritories</a:t>
             </a:r>
             <a:br>
               <a:rPr lang="en-US" dirty="0">
@@ -10170,21 +9406,7 @@
                 <a:latin typeface="Courier New" panose="02070309020205020404" pitchFamily="49" charset="0"/>
                 <a:cs typeface="Courier New" panose="02070309020205020404" pitchFamily="49" charset="0"/>
               </a:rPr>
-              <a:t>LATERAL VIEW EXPLODE(</a:t>
-            </a:r>
-            <a:r>
-              <a:rPr lang="en-US" dirty="0" err="1">
-                <a:latin typeface="Courier New" panose="02070309020205020404" pitchFamily="49" charset="0"/>
-                <a:cs typeface="Courier New" panose="02070309020205020404" pitchFamily="49" charset="0"/>
-              </a:rPr>
-              <a:t>TerritoryList</a:t>
-            </a:r>
-            <a:r>
-              <a:rPr lang="en-US" dirty="0">
-                <a:latin typeface="Courier New" panose="02070309020205020404" pitchFamily="49" charset="0"/>
-                <a:cs typeface="Courier New" panose="02070309020205020404" pitchFamily="49" charset="0"/>
-              </a:rPr>
-              <a:t>) EXPLODED_TABLE AS </a:t>
+              <a:t>LATERAL VIEW EXPLODE(TerritoryList) EXPLODED_TABLE AS </a:t>
             </a:r>
             <a:r>
               <a:rPr lang="en-US" b="1" dirty="0">
@@ -10207,32 +9429,11 @@
               </a:rPr>
             </a:br>
             <a:r>
-              <a:rPr lang="en-US" dirty="0" err="1">
-                <a:latin typeface="Courier New" panose="02070309020205020404" pitchFamily="49" charset="0"/>
-                <a:cs typeface="Courier New" panose="02070309020205020404" pitchFamily="49" charset="0"/>
-              </a:rPr>
-              <a:t>spark.sql</a:t>
-            </a:r>
-            <a:r>
-              <a:rPr lang="en-US" dirty="0">
-                <a:latin typeface="Courier New" panose="02070309020205020404" pitchFamily="49" charset="0"/>
-                <a:cs typeface="Courier New" panose="02070309020205020404" pitchFamily="49" charset="0"/>
-              </a:rPr>
-              <a:t>(</a:t>
-            </a:r>
-            <a:r>
-              <a:rPr lang="en-US" dirty="0" err="1">
-                <a:latin typeface="Courier New" panose="02070309020205020404" pitchFamily="49" charset="0"/>
-                <a:cs typeface="Courier New" panose="02070309020205020404" pitchFamily="49" charset="0"/>
-              </a:rPr>
-              <a:t>sql</a:t>
-            </a:r>
-            <a:r>
-              <a:rPr lang="en-US" dirty="0">
-                <a:latin typeface="Courier New" panose="02070309020205020404" pitchFamily="49" charset="0"/>
-                <a:cs typeface="Courier New" panose="02070309020205020404" pitchFamily="49" charset="0"/>
-              </a:rPr>
-              <a:t>).show()</a:t>
+              <a:rPr lang="en-US" dirty="0">
+                <a:latin typeface="Courier New" panose="02070309020205020404" pitchFamily="49" charset="0"/>
+                <a:cs typeface="Courier New" panose="02070309020205020404" pitchFamily="49" charset="0"/>
+              </a:rPr>
+              <a:t>spark.sql(sql).show()</a:t>
             </a:r>
           </a:p>
         </p:txBody>
@@ -10359,7 +9560,7 @@
           <a:p>
             <a:r>
               <a:rPr lang="en-US" dirty="0"/>
-              <a:t>Write whatever custom function you need:</a:t>
+              <a:t>Write whatever custom function you need</a:t>
             </a:r>
             <a:br>
               <a:rPr lang="en-US" dirty="0"/>
@@ -10425,7 +9626,7 @@
             </a:r>
             <a:r>
               <a:rPr lang="en-US" dirty="0"/>
-              <a:t> function to wrap and call your UDF:</a:t>
+              <a:t> function to wrap and call your UDF</a:t>
             </a:r>
             <a:br>
               <a:rPr lang="en-US" dirty="0"/>
@@ -10557,24 +9758,14 @@
           <a:p>
             <a:r>
               <a:rPr lang="en-US" dirty="0"/>
-              <a:t>Introduce </a:t>
-            </a:r>
-            <a:r>
-              <a:rPr lang="en-US" dirty="0" err="1"/>
-              <a:t>SparkSQL</a:t>
-            </a:r>
-            <a:endParaRPr lang="en-US" dirty="0"/>
-          </a:p>
-          <a:p>
-            <a:r>
-              <a:rPr lang="en-US" dirty="0"/>
-              <a:t>Use SQL on </a:t>
-            </a:r>
-            <a:r>
-              <a:rPr lang="en-US" dirty="0" err="1"/>
-              <a:t>DataFrames</a:t>
-            </a:r>
-            <a:endParaRPr lang="en-US" dirty="0"/>
+              <a:t>Introduce Spark SQL</a:t>
+            </a:r>
+          </a:p>
+          <a:p>
+            <a:r>
+              <a:rPr lang="en-US" dirty="0"/>
+              <a:t>Use SQL on DataFrames</a:t>
+            </a:r>
           </a:p>
           <a:p>
             <a:r>
@@ -10649,26 +9840,21 @@
             <p:ph idx="1"/>
           </p:nvPr>
         </p:nvSpPr>
-        <p:spPr>
-          <a:xfrm>
-            <a:off x="270668" y="1123530"/>
-            <a:ext cx="8458995" cy="5229144"/>
-          </a:xfrm>
-        </p:spPr>
+        <p:spPr/>
         <p:txBody>
           <a:bodyPr/>
           <a:lstStyle/>
           <a:p>
             <a:r>
               <a:rPr lang="en-US" dirty="0"/>
-              <a:t>Ultimately Spark is just a processing engine that can read data from almost any source</a:t>
+              <a:t>Ultimately, Spark is just a processing engine that can read data from almost any source</a:t>
             </a:r>
           </a:p>
           <a:p>
             <a:pPr lvl="1"/>
             <a:r>
               <a:rPr lang="en-US" dirty="0"/>
-              <a:t>local files would be read in and distributed into the cluster</a:t>
+              <a:t>Local files would be read in and distributed into the cluster</a:t>
             </a:r>
           </a:p>
           <a:p>
@@ -10682,14 +9868,14 @@
             <a:pPr lvl="1"/>
             <a:r>
               <a:rPr lang="en-US" dirty="0"/>
-              <a:t>data in a SQL table would be similar to a local file and would be fed into the cluster as it retrieves it from the SQL server</a:t>
+              <a:t>Data in a SQL table would be similar to a local file and would be fed into the cluster as it retrieves it from the SQL server</a:t>
             </a:r>
           </a:p>
           <a:p>
             <a:pPr lvl="1"/>
             <a:r>
               <a:rPr lang="en-US" dirty="0"/>
-              <a:t>data in a NoSQL cluster is already partitioned in a cluster and like HDFS could be parallel loaded</a:t>
+              <a:t>Data in a NoSQL cluster is already partitioned in a cluster and like HDFS could be parallel loaded</a:t>
             </a:r>
           </a:p>
           <a:p>
@@ -10731,10 +9917,6 @@
               <a:rPr lang="en-US" dirty="0"/>
               <a:t>ORC </a:t>
             </a:r>
-            <a:endParaRPr lang="en-US" sz="1600" dirty="0">
-              <a:latin typeface="Courier New" panose="02070309020205020404" pitchFamily="49" charset="0"/>
-              <a:cs typeface="Courier New" panose="02070309020205020404" pitchFamily="49" charset="0"/>
-            </a:endParaRPr>
           </a:p>
         </p:txBody>
       </p:sp>
@@ -10802,8 +9984,8 @@
         </p:nvSpPr>
         <p:spPr>
           <a:xfrm>
-            <a:off x="270668" y="1123530"/>
-            <a:ext cx="8458995" cy="5229144"/>
+            <a:off x="635726" y="1123530"/>
+            <a:ext cx="8093937" cy="5229144"/>
           </a:xfrm>
         </p:spPr>
         <p:txBody>
@@ -10856,49 +10038,49 @@
           </a:p>
           <a:p>
             <a:r>
-              <a:rPr lang="en-US" sz="1600" dirty="0"/>
+              <a:rPr lang="en-US" dirty="0"/>
               <a:t>The </a:t>
             </a:r>
             <a:r>
-              <a:rPr lang="en-US" sz="1600" dirty="0" err="1">
+              <a:rPr lang="en-US" dirty="0">
                 <a:latin typeface="Courier New" panose="02070309020205020404" pitchFamily="49" charset="0"/>
                 <a:cs typeface="Courier New" panose="02070309020205020404" pitchFamily="49" charset="0"/>
               </a:rPr>
               <a:t>os.environ</a:t>
             </a:r>
             <a:r>
-              <a:rPr lang="en-US" sz="1600" dirty="0">
-                <a:latin typeface="Courier New" panose="02070309020205020404" pitchFamily="49" charset="0"/>
+              <a:rPr lang="en-US" dirty="0">
+                <a:latin typeface="+mn-lt"/>
                 <a:cs typeface="Courier New" panose="02070309020205020404" pitchFamily="49" charset="0"/>
               </a:rPr>
               <a:t> </a:t>
             </a:r>
             <a:r>
-              <a:rPr lang="en-US" sz="1600" dirty="0"/>
+              <a:rPr lang="en-US" dirty="0"/>
               <a:t>setting is used to add the custom jars necessary to support these features</a:t>
             </a:r>
           </a:p>
           <a:p>
             <a:r>
-              <a:rPr lang="en-US" sz="1600" dirty="0"/>
+              <a:rPr lang="en-US" dirty="0"/>
               <a:t>Here is an example of starting a Spark session which could read and write data in a Cassandra cluster</a:t>
             </a:r>
             <a:br>
               <a:rPr lang="en-US" sz="1600" dirty="0"/>
             </a:br>
             <a:r>
+              <a:rPr lang="en-US" sz="1000" dirty="0"/>
+              <a:t> </a:t>
+            </a:r>
+            <a:br>
+              <a:rPr lang="en-US" sz="1600" dirty="0"/>
+            </a:br>
+            <a:r>
               <a:rPr lang="en-US" sz="1600" dirty="0">
                 <a:latin typeface="Courier New" panose="02070309020205020404" pitchFamily="49" charset="0"/>
                 <a:cs typeface="Courier New" panose="02070309020205020404" pitchFamily="49" charset="0"/>
               </a:rPr>
-              <a:t>import </a:t>
-            </a:r>
-            <a:r>
-              <a:rPr lang="en-US" sz="1600" dirty="0" err="1">
-                <a:latin typeface="Courier New" panose="02070309020205020404" pitchFamily="49" charset="0"/>
-                <a:cs typeface="Courier New" panose="02070309020205020404" pitchFamily="49" charset="0"/>
-              </a:rPr>
-              <a:t>os</a:t>
+              <a:t>import os</a:t>
             </a:r>
             <a:br>
               <a:rPr lang="en-US" sz="1600" dirty="0">
@@ -10907,60 +10089,11 @@
               </a:rPr>
             </a:br>
             <a:r>
-              <a:rPr lang="en-US" sz="1600" dirty="0" err="1">
-                <a:latin typeface="Courier New" panose="02070309020205020404" pitchFamily="49" charset="0"/>
-                <a:cs typeface="Courier New" panose="02070309020205020404" pitchFamily="49" charset="0"/>
-              </a:rPr>
-              <a:t>os.environ</a:t>
-            </a:r>
-            <a:r>
               <a:rPr lang="en-US" sz="1600" dirty="0">
                 <a:latin typeface="Courier New" panose="02070309020205020404" pitchFamily="49" charset="0"/>
                 <a:cs typeface="Courier New" panose="02070309020205020404" pitchFamily="49" charset="0"/>
               </a:rPr>
-              <a:t>['PYSPARK_SUBMIT_ARGS'] = '--packages com.datastax.spark:spark-cassandra-connector_2.11:2.3.0 --</a:t>
-            </a:r>
-            <a:r>
-              <a:rPr lang="en-US" sz="1600" dirty="0" err="1">
-                <a:latin typeface="Courier New" panose="02070309020205020404" pitchFamily="49" charset="0"/>
-                <a:cs typeface="Courier New" panose="02070309020205020404" pitchFamily="49" charset="0"/>
-              </a:rPr>
-              <a:t>conf</a:t>
-            </a:r>
-            <a:r>
-              <a:rPr lang="en-US" sz="1600" dirty="0">
-                <a:latin typeface="Courier New" panose="02070309020205020404" pitchFamily="49" charset="0"/>
-                <a:cs typeface="Courier New" panose="02070309020205020404" pitchFamily="49" charset="0"/>
-              </a:rPr>
-              <a:t> </a:t>
-            </a:r>
-            <a:r>
-              <a:rPr lang="en-US" sz="1600" dirty="0" err="1">
-                <a:latin typeface="Courier New" panose="02070309020205020404" pitchFamily="49" charset="0"/>
-                <a:cs typeface="Courier New" panose="02070309020205020404" pitchFamily="49" charset="0"/>
-              </a:rPr>
-              <a:t>spark.cassandra.connection.host</a:t>
-            </a:r>
-            <a:r>
-              <a:rPr lang="en-US" sz="1600" dirty="0">
-                <a:latin typeface="Courier New" panose="02070309020205020404" pitchFamily="49" charset="0"/>
-                <a:cs typeface="Courier New" panose="02070309020205020404" pitchFamily="49" charset="0"/>
-              </a:rPr>
-              <a:t>=192.168.0.123,192.168.0.124 </a:t>
-            </a:r>
-            <a:r>
-              <a:rPr lang="en-US" sz="1600" dirty="0" err="1">
-                <a:latin typeface="Courier New" panose="02070309020205020404" pitchFamily="49" charset="0"/>
-                <a:cs typeface="Courier New" panose="02070309020205020404" pitchFamily="49" charset="0"/>
-              </a:rPr>
-              <a:t>pyspark</a:t>
-            </a:r>
-            <a:r>
-              <a:rPr lang="en-US" sz="1600" dirty="0">
-                <a:latin typeface="Courier New" panose="02070309020205020404" pitchFamily="49" charset="0"/>
-                <a:cs typeface="Courier New" panose="02070309020205020404" pitchFamily="49" charset="0"/>
-              </a:rPr>
-              <a:t>-shell'</a:t>
+              <a:t>os.environ['PYSPARK_SUBMIT_ARGS'] = '--packages com.datastax.spark:spark-cassandra-connector_2.11:2.3.0 --conf spark.cassandra.connection.host=192.168.0.123,192.168.0.124 pyspark-shell'</a:t>
             </a:r>
             <a:br>
               <a:rPr lang="en-US" sz="1600" dirty="0">
@@ -10969,32 +10102,11 @@
               </a:rPr>
             </a:br>
             <a:r>
-              <a:rPr lang="en-US" sz="1600" dirty="0" err="1">
-                <a:latin typeface="Courier New" panose="02070309020205020404" pitchFamily="49" charset="0"/>
-                <a:cs typeface="Courier New" panose="02070309020205020404" pitchFamily="49" charset="0"/>
-              </a:rPr>
-              <a:t>table_df</a:t>
-            </a:r>
-            <a:r>
               <a:rPr lang="en-US" sz="1600" dirty="0">
                 <a:latin typeface="Courier New" panose="02070309020205020404" pitchFamily="49" charset="0"/>
                 <a:cs typeface="Courier New" panose="02070309020205020404" pitchFamily="49" charset="0"/>
               </a:rPr>
-              <a:t> = </a:t>
-            </a:r>
-            <a:r>
-              <a:rPr lang="en-US" sz="1600" dirty="0" err="1">
-                <a:latin typeface="Courier New" panose="02070309020205020404" pitchFamily="49" charset="0"/>
-                <a:cs typeface="Courier New" panose="02070309020205020404" pitchFamily="49" charset="0"/>
-              </a:rPr>
-              <a:t>sqlContext.read</a:t>
-            </a:r>
-            <a:r>
-              <a:rPr lang="en-US" sz="1600" dirty="0">
-                <a:latin typeface="Courier New" panose="02070309020205020404" pitchFamily="49" charset="0"/>
-                <a:cs typeface="Courier New" panose="02070309020205020404" pitchFamily="49" charset="0"/>
-              </a:rPr>
-              <a:t> \</a:t>
+              <a:t>table_df = sqlContext.read \</a:t>
             </a:r>
             <a:br>
               <a:rPr lang="en-US" sz="1600" dirty="0">
@@ -11007,21 +10119,7 @@
                 <a:latin typeface="Courier New" panose="02070309020205020404" pitchFamily="49" charset="0"/>
                 <a:cs typeface="Courier New" panose="02070309020205020404" pitchFamily="49" charset="0"/>
               </a:rPr>
-              <a:t>.format("</a:t>
-            </a:r>
-            <a:r>
-              <a:rPr lang="en-US" sz="1600" dirty="0" err="1">
-                <a:latin typeface="Courier New" panose="02070309020205020404" pitchFamily="49" charset="0"/>
-                <a:cs typeface="Courier New" panose="02070309020205020404" pitchFamily="49" charset="0"/>
-              </a:rPr>
-              <a:t>org.apache.spark.sql.cassandra</a:t>
-            </a:r>
-            <a:r>
-              <a:rPr lang="en-US" sz="1600" dirty="0">
-                <a:latin typeface="Courier New" panose="02070309020205020404" pitchFamily="49" charset="0"/>
-                <a:cs typeface="Courier New" panose="02070309020205020404" pitchFamily="49" charset="0"/>
-              </a:rPr>
-              <a:t>") \</a:t>
+              <a:t>.format("org.apache.spark.sql.cassandra") \</a:t>
             </a:r>
             <a:br>
               <a:rPr lang="en-US" sz="1600" dirty="0">
@@ -11034,49 +10132,7 @@
                 <a:latin typeface="Courier New" panose="02070309020205020404" pitchFamily="49" charset="0"/>
                 <a:cs typeface="Courier New" panose="02070309020205020404" pitchFamily="49" charset="0"/>
               </a:rPr>
-              <a:t>.options(table=</a:t>
-            </a:r>
-            <a:r>
-              <a:rPr lang="en-US" sz="1600" dirty="0" err="1">
-                <a:latin typeface="Courier New" panose="02070309020205020404" pitchFamily="49" charset="0"/>
-                <a:cs typeface="Courier New" panose="02070309020205020404" pitchFamily="49" charset="0"/>
-              </a:rPr>
-              <a:t>table_name</a:t>
-            </a:r>
-            <a:r>
-              <a:rPr lang="en-US" sz="1600" dirty="0">
-                <a:latin typeface="Courier New" panose="02070309020205020404" pitchFamily="49" charset="0"/>
-                <a:cs typeface="Courier New" panose="02070309020205020404" pitchFamily="49" charset="0"/>
-              </a:rPr>
-              <a:t>, </a:t>
-            </a:r>
-            <a:r>
-              <a:rPr lang="en-US" sz="1600" dirty="0" err="1">
-                <a:latin typeface="Courier New" panose="02070309020205020404" pitchFamily="49" charset="0"/>
-                <a:cs typeface="Courier New" panose="02070309020205020404" pitchFamily="49" charset="0"/>
-              </a:rPr>
-              <a:t>keyspace</a:t>
-            </a:r>
-            <a:r>
-              <a:rPr lang="en-US" sz="1600" dirty="0">
-                <a:latin typeface="Courier New" panose="02070309020205020404" pitchFamily="49" charset="0"/>
-                <a:cs typeface="Courier New" panose="02070309020205020404" pitchFamily="49" charset="0"/>
-              </a:rPr>
-              <a:t>=</a:t>
-            </a:r>
-            <a:r>
-              <a:rPr lang="en-US" sz="1600" dirty="0" err="1">
-                <a:latin typeface="Courier New" panose="02070309020205020404" pitchFamily="49" charset="0"/>
-                <a:cs typeface="Courier New" panose="02070309020205020404" pitchFamily="49" charset="0"/>
-              </a:rPr>
-              <a:t>keys_space_name</a:t>
-            </a:r>
-            <a:r>
-              <a:rPr lang="en-US" sz="1600" dirty="0">
-                <a:latin typeface="Courier New" panose="02070309020205020404" pitchFamily="49" charset="0"/>
-                <a:cs typeface="Courier New" panose="02070309020205020404" pitchFamily="49" charset="0"/>
-              </a:rPr>
-              <a:t>) \</a:t>
+              <a:t>.options(table=table_name, keyspace=keys_space_name) \</a:t>
             </a:r>
             <a:br>
               <a:rPr lang="en-US" sz="1600" dirty="0">
@@ -11162,66 +10218,86 @@
             <p:ph idx="1"/>
           </p:nvPr>
         </p:nvSpPr>
-        <p:spPr>
-          <a:xfrm>
-            <a:off x="270668" y="1123530"/>
-            <a:ext cx="8458995" cy="5229144"/>
-          </a:xfrm>
-        </p:spPr>
+        <p:spPr/>
         <p:txBody>
           <a:bodyPr/>
           <a:lstStyle/>
           <a:p>
             <a:r>
               <a:rPr lang="en-US" dirty="0"/>
-              <a:t>Spark and NoSQL such as Cassandra, Mongo &amp; </a:t>
-            </a:r>
-            <a:r>
-              <a:rPr lang="en-US" dirty="0" err="1"/>
-              <a:t>Hbase</a:t>
-            </a:r>
-            <a:r>
-              <a:rPr lang="en-US" dirty="0"/>
-              <a:t> make a powerful combination</a:t>
-            </a:r>
-          </a:p>
-          <a:p>
-            <a:r>
-              <a:rPr lang="en-US" sz="1600" dirty="0"/>
-              <a:t>NoSQL can be used to acquire real time data in a transactional system</a:t>
-            </a:r>
-          </a:p>
-          <a:p>
-            <a:r>
-              <a:rPr lang="en-US" sz="1600" dirty="0"/>
+              <a:t>Spark and NoSQL such as Cassandra, Mongo, and HBase make a powerful combination</a:t>
+            </a:r>
+          </a:p>
+          <a:p>
+            <a:r>
+              <a:rPr lang="en-US" dirty="0"/>
+              <a:t>NoSQL can be used to acquire real-time data in a transactional system</a:t>
+            </a:r>
+          </a:p>
+          <a:p>
+            <a:r>
+              <a:rPr lang="en-US" dirty="0"/>
               <a:t>Spark can be used to query the data stored in NoSQL in ways that cannot be done with the native NoSQL engine</a:t>
             </a:r>
           </a:p>
           <a:p>
             <a:r>
-              <a:rPr lang="en-US" sz="1600" dirty="0"/>
-              <a:t>Most NoSQL do not support complex analytical queries like JOIN, GROUP, ORDER BY </a:t>
-            </a:r>
-            <a:r>
-              <a:rPr lang="en-US" sz="1600" dirty="0" err="1"/>
-              <a:t>etc</a:t>
-            </a:r>
-            <a:endParaRPr lang="en-US" sz="1600" dirty="0"/>
-          </a:p>
-          <a:p>
-            <a:r>
-              <a:rPr lang="en-US" sz="1600" dirty="0"/>
+              <a:rPr lang="en-US" dirty="0"/>
+              <a:t>Most NoSQL does not support complex analytical queries like </a:t>
+            </a:r>
+            <a:r>
+              <a:rPr lang="en-US" dirty="0">
+                <a:latin typeface="Courier New" panose="02070309020205020404" pitchFamily="49" charset="0"/>
+                <a:cs typeface="Courier New" panose="02070309020205020404" pitchFamily="49" charset="0"/>
+              </a:rPr>
+              <a:t>JOIN</a:t>
+            </a:r>
+            <a:r>
+              <a:rPr lang="en-US" dirty="0"/>
+              <a:t>, </a:t>
+            </a:r>
+            <a:r>
+              <a:rPr lang="en-US" dirty="0">
+                <a:latin typeface="Courier New" panose="02070309020205020404" pitchFamily="49" charset="0"/>
+                <a:cs typeface="Courier New" panose="02070309020205020404" pitchFamily="49" charset="0"/>
+              </a:rPr>
+              <a:t>GROUP</a:t>
+            </a:r>
+            <a:r>
+              <a:rPr lang="en-US" dirty="0"/>
+              <a:t>, </a:t>
+            </a:r>
+            <a:r>
+              <a:rPr lang="en-US" dirty="0">
+                <a:latin typeface="Courier New" panose="02070309020205020404" pitchFamily="49" charset="0"/>
+                <a:cs typeface="Courier New" panose="02070309020205020404" pitchFamily="49" charset="0"/>
+              </a:rPr>
+              <a:t>ORDER</a:t>
+            </a:r>
+            <a:r>
+              <a:rPr lang="en-US" dirty="0"/>
+              <a:t> </a:t>
+            </a:r>
+            <a:r>
+              <a:rPr lang="en-US" dirty="0">
+                <a:latin typeface="Courier New" panose="02070309020205020404" pitchFamily="49" charset="0"/>
+                <a:cs typeface="Courier New" panose="02070309020205020404" pitchFamily="49" charset="0"/>
+              </a:rPr>
+              <a:t>BY</a:t>
+            </a:r>
+            <a:r>
+              <a:rPr lang="en-US" dirty="0"/>
+              <a:t>, etc.</a:t>
+            </a:r>
+          </a:p>
+          <a:p>
+            <a:r>
+              <a:rPr lang="en-US" dirty="0"/>
               <a:t>Using Spark to read data stored in NoSQL creates a combination that offers many of the features of a traditional SQL server but with the power of a cluster to handle large volumes</a:t>
             </a:r>
           </a:p>
           <a:p>
-            <a:pPr marL="0" indent="0">
-              <a:buNone/>
-            </a:pPr>
-            <a:endParaRPr lang="en-US" sz="1600" dirty="0">
-              <a:latin typeface="Courier New" panose="02070309020205020404" pitchFamily="49" charset="0"/>
-              <a:cs typeface="Courier New" panose="02070309020205020404" pitchFamily="49" charset="0"/>
-            </a:endParaRPr>
+            <a:endParaRPr lang="en-US" dirty="0"/>
           </a:p>
         </p:txBody>
       </p:sp>
@@ -11297,35 +10373,25 @@
             </a:pPr>
             <a:r>
               <a:rPr lang="en-US" dirty="0"/>
-              <a:t>In this chapter, we will:</a:t>
-            </a:r>
-          </a:p>
-          <a:p>
-            <a:r>
-              <a:rPr lang="en-US" dirty="0"/>
-              <a:t>Introduce </a:t>
-            </a:r>
-            <a:r>
-              <a:rPr lang="en-US" dirty="0" err="1"/>
-              <a:t>SparkSQL</a:t>
-            </a:r>
-            <a:endParaRPr lang="en-US" dirty="0"/>
-          </a:p>
-          <a:p>
-            <a:r>
-              <a:rPr lang="en-US" dirty="0"/>
-              <a:t>Use SQL on </a:t>
-            </a:r>
-            <a:r>
-              <a:rPr lang="en-US" dirty="0" err="1"/>
-              <a:t>DataFrames</a:t>
-            </a:r>
-            <a:endParaRPr lang="en-US" dirty="0"/>
-          </a:p>
-          <a:p>
-            <a:r>
-              <a:rPr lang="en-US" dirty="0"/>
-              <a:t>Discuss Hive integration</a:t>
+              <a:t>In this chapter, we have:</a:t>
+            </a:r>
+          </a:p>
+          <a:p>
+            <a:r>
+              <a:rPr lang="en-US" dirty="0"/>
+              <a:t>Introduced Spark SQL</a:t>
+            </a:r>
+          </a:p>
+          <a:p>
+            <a:r>
+              <a:rPr lang="en-US" dirty="0"/>
+              <a:t>Used SQL on DataFrames</a:t>
+            </a:r>
+          </a:p>
+          <a:p>
+            <a:r>
+              <a:rPr lang="en-US" dirty="0"/>
+              <a:t>Discussed Hive integration</a:t>
             </a:r>
           </a:p>
           <a:p>
@@ -11402,65 +10468,49 @@
           <a:p>
             <a:r>
               <a:rPr lang="en-US" dirty="0"/>
-              <a:t>Spark 2.0 introduced not only </a:t>
-            </a:r>
-            <a:r>
-              <a:rPr lang="en-US" dirty="0" err="1"/>
-              <a:t>DataFrames</a:t>
-            </a:r>
-            <a:r>
-              <a:rPr lang="en-US" dirty="0"/>
-              <a:t>, but the ability to query them in two different ways</a:t>
+              <a:t>Spark 2.0 introduced not only DataFrames, but the ability to query them in two different ways</a:t>
             </a:r>
           </a:p>
           <a:p>
             <a:pPr lvl="1"/>
             <a:r>
               <a:rPr lang="en-US" dirty="0"/>
-              <a:t>using methods on the </a:t>
-            </a:r>
-            <a:r>
-              <a:rPr lang="en-US" dirty="0" err="1"/>
-              <a:t>DataFrame</a:t>
-            </a:r>
-            <a:r>
-              <a:rPr lang="en-US" dirty="0"/>
-              <a:t> variable</a:t>
+              <a:t>Using methods on the DataFrame variable</a:t>
             </a:r>
           </a:p>
           <a:p>
             <a:pPr lvl="2"/>
             <a:r>
               <a:rPr lang="en-US" dirty="0"/>
-              <a:t>syntax is programmatic, so more familiar to programmers not well versed in SQL already</a:t>
+              <a:t>Syntax is programmatic, so more familiar to programmers not already well versed in SQL</a:t>
             </a:r>
           </a:p>
           <a:p>
             <a:pPr lvl="2"/>
             <a:r>
               <a:rPr lang="en-US" dirty="0"/>
-              <a:t>many more methods exist than the SQL language supports</a:t>
+              <a:t>Many more methods exist than the SQL language supports</a:t>
             </a:r>
           </a:p>
           <a:p>
             <a:pPr lvl="1"/>
             <a:r>
               <a:rPr lang="en-US" dirty="0"/>
-              <a:t>using SQL queries</a:t>
+              <a:t>Using SQL queries</a:t>
             </a:r>
           </a:p>
           <a:p>
             <a:pPr lvl="2"/>
             <a:r>
               <a:rPr lang="en-US" dirty="0"/>
-              <a:t>uses familiar syntax based on HQL (Hive Query Language)</a:t>
+              <a:t>Uses familiar syntax based on HQL (Hive Query Language)</a:t>
             </a:r>
           </a:p>
           <a:p>
             <a:pPr lvl="2"/>
             <a:r>
               <a:rPr lang="en-US" dirty="0"/>
-              <a:t>allows data analysts to leverage already existing queries and knowledge to get results quicker</a:t>
+              <a:t>Allows data analysts to leverage already existing queries and knowledge to get results quicker</a:t>
             </a:r>
           </a:p>
           <a:p>
@@ -11491,10 +10541,9 @@
           <a:lstStyle/>
           <a:p>
             <a:r>
-              <a:rPr lang="en-US" dirty="0" err="1"/>
-              <a:t>SparkSQL</a:t>
-            </a:r>
-            <a:endParaRPr lang="en-US" dirty="0"/>
+              <a:rPr lang="en-US" dirty="0"/>
+              <a:t>Spark SQL</a:t>
+            </a:r>
           </a:p>
         </p:txBody>
       </p:sp>
@@ -11557,63 +10606,27 @@
                 <a:latin typeface="Courier New" panose="02070309020205020404" pitchFamily="49" charset="0"/>
                 <a:cs typeface="Courier New" panose="02070309020205020404" pitchFamily="49" charset="0"/>
               </a:rPr>
-              <a:t>spark=</a:t>
-            </a:r>
-            <a:r>
-              <a:rPr lang="en-US" sz="1700" dirty="0" err="1">
-                <a:latin typeface="Courier New" panose="02070309020205020404" pitchFamily="49" charset="0"/>
-                <a:cs typeface="Courier New" panose="02070309020205020404" pitchFamily="49" charset="0"/>
-              </a:rPr>
-              <a:t>SparkSession.builder.</a:t>
-            </a:r>
-            <a:r>
-              <a:rPr lang="en-US" sz="1700" b="1" dirty="0" err="1">
-                <a:latin typeface="Courier New" panose="02070309020205020404" pitchFamily="49" charset="0"/>
-                <a:cs typeface="Courier New" panose="02070309020205020404" pitchFamily="49" charset="0"/>
-              </a:rPr>
-              <a:t>enableHiveSupport</a:t>
+              <a:t>spark=SparkSession.builder.</a:t>
             </a:r>
             <a:r>
               <a:rPr lang="en-US" sz="1700" b="1" dirty="0">
                 <a:latin typeface="Courier New" panose="02070309020205020404" pitchFamily="49" charset="0"/>
                 <a:cs typeface="Courier New" panose="02070309020205020404" pitchFamily="49" charset="0"/>
               </a:rPr>
-              <a:t>()</a:t>
+              <a:t>enableHiveSupport()</a:t>
             </a:r>
             <a:r>
               <a:rPr lang="en-US" sz="1700" dirty="0">
                 <a:latin typeface="Courier New" panose="02070309020205020404" pitchFamily="49" charset="0"/>
                 <a:cs typeface="Courier New" panose="02070309020205020404" pitchFamily="49" charset="0"/>
               </a:rPr>
-              <a:t>.</a:t>
-            </a:r>
-            <a:r>
-              <a:rPr lang="en-US" sz="1700" dirty="0" err="1">
-                <a:latin typeface="Courier New" panose="02070309020205020404" pitchFamily="49" charset="0"/>
-                <a:cs typeface="Courier New" panose="02070309020205020404" pitchFamily="49" charset="0"/>
-              </a:rPr>
-              <a:t>getOrCreate</a:t>
-            </a:r>
-            <a:r>
-              <a:rPr lang="en-US" sz="1700" dirty="0">
-                <a:latin typeface="Courier New" panose="02070309020205020404" pitchFamily="49" charset="0"/>
-                <a:cs typeface="Courier New" panose="02070309020205020404" pitchFamily="49" charset="0"/>
-              </a:rPr>
-              <a:t>()</a:t>
-            </a:r>
-          </a:p>
-          <a:p>
-            <a:r>
-              <a:rPr lang="en-US" dirty="0"/>
-              <a:t>Then using the </a:t>
-            </a:r>
-            <a:r>
-              <a:rPr lang="en-US" dirty="0" err="1"/>
-              <a:t>sql</a:t>
-            </a:r>
-            <a:r>
-              <a:rPr lang="en-US" dirty="0"/>
-              <a:t> method, you can run any Hive query</a:t>
+              <a:t>.getOrCreate()</a:t>
+            </a:r>
+          </a:p>
+          <a:p>
+            <a:r>
+              <a:rPr lang="en-US" dirty="0"/>
+              <a:t>Then using the SQL method, you can run any Hive query</a:t>
             </a:r>
           </a:p>
           <a:p>
@@ -11625,21 +10638,7 @@
                 <a:latin typeface="Courier New" panose="02070309020205020404" pitchFamily="49" charset="0"/>
                 <a:cs typeface="Courier New" panose="02070309020205020404" pitchFamily="49" charset="0"/>
               </a:rPr>
-              <a:t>	regions = </a:t>
-            </a:r>
-            <a:r>
-              <a:rPr lang="en-US" sz="1700" dirty="0" err="1">
-                <a:latin typeface="Courier New" panose="02070309020205020404" pitchFamily="49" charset="0"/>
-                <a:cs typeface="Courier New" panose="02070309020205020404" pitchFamily="49" charset="0"/>
-              </a:rPr>
-              <a:t>spark.sql</a:t>
-            </a:r>
-            <a:r>
-              <a:rPr lang="en-US" sz="1700" dirty="0">
-                <a:latin typeface="Courier New" panose="02070309020205020404" pitchFamily="49" charset="0"/>
-                <a:cs typeface="Courier New" panose="02070309020205020404" pitchFamily="49" charset="0"/>
-              </a:rPr>
-              <a:t>('select * from regions')</a:t>
+              <a:t>	regions = spark.sql('select * from regions')</a:t>
             </a:r>
             <a:br>
               <a:rPr lang="en-US" sz="1700" dirty="0">
@@ -11652,21 +10651,7 @@
                 <a:latin typeface="Courier New" panose="02070309020205020404" pitchFamily="49" charset="0"/>
                 <a:cs typeface="Courier New" panose="02070309020205020404" pitchFamily="49" charset="0"/>
               </a:rPr>
-              <a:t>	</a:t>
-            </a:r>
-            <a:r>
-              <a:rPr lang="en-US" sz="1700" dirty="0" err="1">
-                <a:latin typeface="Courier New" panose="02070309020205020404" pitchFamily="49" charset="0"/>
-                <a:cs typeface="Courier New" panose="02070309020205020404" pitchFamily="49" charset="0"/>
-              </a:rPr>
-              <a:t>regions.show</a:t>
-            </a:r>
-            <a:r>
-              <a:rPr lang="en-US" sz="1700" dirty="0">
-                <a:latin typeface="Courier New" panose="02070309020205020404" pitchFamily="49" charset="0"/>
-                <a:cs typeface="Courier New" panose="02070309020205020404" pitchFamily="49" charset="0"/>
-              </a:rPr>
-              <a:t>()</a:t>
+              <a:t>	regions.show()</a:t>
             </a:r>
           </a:p>
           <a:p>
@@ -11774,11 +10759,8 @@
           <a:p>
             <a:r>
               <a:rPr lang="en-US" dirty="0"/>
-              <a:t>Even in Hive the table is virtual and only exists during processing</a:t>
-            </a:r>
-          </a:p>
-          <a:p>
-            <a:endParaRPr lang="en-US" dirty="0"/>
+              <a:t>Even in Hive, the table is virtual and only exists during processing</a:t>
+            </a:r>
           </a:p>
           <a:p>
             <a:r>
@@ -11786,85 +10768,51 @@
               <a:t>The </a:t>
             </a:r>
             <a:r>
-              <a:rPr lang="en-US" dirty="0" err="1"/>
+              <a:rPr lang="en-US" dirty="0">
+                <a:latin typeface="Courier New" panose="02070309020205020404" pitchFamily="49" charset="0"/>
+                <a:cs typeface="Courier New" panose="02070309020205020404" pitchFamily="49" charset="0"/>
+              </a:rPr>
               <a:t>createDataFrame</a:t>
             </a:r>
             <a:r>
               <a:rPr lang="en-US" dirty="0"/>
-              <a:t> method can be called on an existing </a:t>
-            </a:r>
-            <a:r>
-              <a:rPr lang="en-US" dirty="0" err="1"/>
-              <a:t>DataFrame</a:t>
-            </a:r>
-            <a:r>
-              <a:rPr lang="en-US" dirty="0"/>
-              <a:t> to temporarily put it into a local copy of the Hive catalog for the current Spark session and treat it as if it were a Hive table</a:t>
+              <a:t> method can be called on an existing DataFrame to temporarily put it into a local copy of the Hive catalog for the current Spark session and treat it as if it were a Hive table</a:t>
             </a:r>
             <a:br>
               <a:rPr lang="en-US" dirty="0"/>
             </a:br>
             <a:r>
-              <a:rPr lang="en-US" dirty="0">
-                <a:latin typeface="Courier New" panose="02070309020205020404" pitchFamily="49" charset="0"/>
-                <a:cs typeface="Courier New" panose="02070309020205020404" pitchFamily="49" charset="0"/>
-              </a:rPr>
-              <a:t>x1 = </a:t>
-            </a:r>
-            <a:r>
-              <a:rPr lang="en-US" dirty="0" err="1">
-                <a:latin typeface="Courier New" panose="02070309020205020404" pitchFamily="49" charset="0"/>
-                <a:cs typeface="Courier New" panose="02070309020205020404" pitchFamily="49" charset="0"/>
-              </a:rPr>
-              <a:t>spark.createDataFrame</a:t>
-            </a:r>
-            <a:r>
-              <a:rPr lang="en-US" dirty="0">
-                <a:latin typeface="Courier New" panose="02070309020205020404" pitchFamily="49" charset="0"/>
-                <a:cs typeface="Courier New" panose="02070309020205020404" pitchFamily="49" charset="0"/>
-              </a:rPr>
-              <a:t>(x, schema = ['ID', 'Name'])</a:t>
+              <a:rPr lang="en-US" sz="1050" dirty="0"/>
+              <a:t> </a:t>
             </a:r>
             <a:br>
-              <a:rPr lang="en-US" dirty="0">
-                <a:latin typeface="Courier New" panose="02070309020205020404" pitchFamily="49" charset="0"/>
-                <a:cs typeface="Courier New" panose="02070309020205020404" pitchFamily="49" charset="0"/>
-              </a:rPr>
+              <a:rPr lang="en-US" dirty="0"/>
             </a:br>
             <a:r>
               <a:rPr lang="en-US" dirty="0">
                 <a:latin typeface="Courier New" panose="02070309020205020404" pitchFamily="49" charset="0"/>
                 <a:cs typeface="Courier New" panose="02070309020205020404" pitchFamily="49" charset="0"/>
               </a:rPr>
-              <a:t>x1.createOrReplaceTempView('</a:t>
-            </a:r>
-            <a:r>
-              <a:rPr lang="en-US" dirty="0" err="1">
-                <a:latin typeface="Courier New" panose="02070309020205020404" pitchFamily="49" charset="0"/>
-                <a:cs typeface="Courier New" panose="02070309020205020404" pitchFamily="49" charset="0"/>
-              </a:rPr>
-              <a:t>MyTable</a:t>
-            </a:r>
-            <a:r>
-              <a:rPr lang="en-US" dirty="0">
-                <a:latin typeface="Courier New" panose="02070309020205020404" pitchFamily="49" charset="0"/>
-                <a:cs typeface="Courier New" panose="02070309020205020404" pitchFamily="49" charset="0"/>
-              </a:rPr>
-              <a:t>')</a:t>
-            </a:r>
-          </a:p>
-          <a:p>
-            <a:r>
-              <a:rPr lang="en-US" dirty="0"/>
-              <a:t>Once created, this virtual table or view can be queried with </a:t>
-            </a:r>
-            <a:r>
-              <a:rPr lang="en-US" dirty="0" err="1"/>
-              <a:t>SparkSQL</a:t>
-            </a:r>
-            <a:r>
-              <a:rPr lang="en-US" dirty="0"/>
-              <a:t> using the HQL dialect of SQL</a:t>
+              <a:t>x1 = spark.createDataFrame(x, schema = ['ID', 'Name'])</a:t>
+            </a:r>
+            <a:br>
+              <a:rPr lang="en-US" dirty="0">
+                <a:latin typeface="Courier New" panose="02070309020205020404" pitchFamily="49" charset="0"/>
+                <a:cs typeface="Courier New" panose="02070309020205020404" pitchFamily="49" charset="0"/>
+              </a:rPr>
+            </a:br>
+            <a:r>
+              <a:rPr lang="en-US" dirty="0">
+                <a:latin typeface="Courier New" panose="02070309020205020404" pitchFamily="49" charset="0"/>
+                <a:cs typeface="Courier New" panose="02070309020205020404" pitchFamily="49" charset="0"/>
+              </a:rPr>
+              <a:t>x1.createOrReplaceTempView('MyTable')</a:t>
+            </a:r>
+          </a:p>
+          <a:p>
+            <a:r>
+              <a:rPr lang="en-US" dirty="0"/>
+              <a:t>Once created, this virtual table or view can be queried with Spark SQL using the HQL dialect of SQL</a:t>
             </a:r>
           </a:p>
           <a:p>
@@ -11876,35 +10824,7 @@
                 <a:latin typeface="Courier New" panose="02070309020205020404" pitchFamily="49" charset="0"/>
                 <a:cs typeface="Courier New" panose="02070309020205020404" pitchFamily="49" charset="0"/>
               </a:rPr>
-              <a:t>  x2 = </a:t>
-            </a:r>
-            <a:r>
-              <a:rPr lang="en-US" dirty="0" err="1">
-                <a:latin typeface="Courier New" panose="02070309020205020404" pitchFamily="49" charset="0"/>
-                <a:cs typeface="Courier New" panose="02070309020205020404" pitchFamily="49" charset="0"/>
-              </a:rPr>
-              <a:t>spark.sql</a:t>
-            </a:r>
-            <a:r>
-              <a:rPr lang="en-US" dirty="0">
-                <a:latin typeface="Courier New" panose="02070309020205020404" pitchFamily="49" charset="0"/>
-                <a:cs typeface="Courier New" panose="02070309020205020404" pitchFamily="49" charset="0"/>
-              </a:rPr>
-              <a:t>('select * from </a:t>
-            </a:r>
-            <a:r>
-              <a:rPr lang="en-US" dirty="0" err="1">
-                <a:latin typeface="Courier New" panose="02070309020205020404" pitchFamily="49" charset="0"/>
-                <a:cs typeface="Courier New" panose="02070309020205020404" pitchFamily="49" charset="0"/>
-              </a:rPr>
-              <a:t>MyTable</a:t>
-            </a:r>
-            <a:r>
-              <a:rPr lang="en-US" dirty="0">
-                <a:latin typeface="Courier New" panose="02070309020205020404" pitchFamily="49" charset="0"/>
-                <a:cs typeface="Courier New" panose="02070309020205020404" pitchFamily="49" charset="0"/>
-              </a:rPr>
-              <a:t>')</a:t>
+              <a:t>  x2 = spark.sql('select * from MyTable')</a:t>
             </a:r>
             <a:br>
               <a:rPr lang="en-US" dirty="0">
@@ -12000,7 +10920,7 @@
           <a:p>
             <a:r>
               <a:rPr lang="en-US" dirty="0"/>
-              <a:t>Not only could you read from a Hive table but you could also write the results of a query to a Hive table</a:t>
+              <a:t>Not only could you read from a Hive table, but you could also write the results of a query to a Hive table</a:t>
             </a:r>
           </a:p>
           <a:p>
@@ -12015,7 +10935,7 @@
               <a:t>Could use the </a:t>
             </a:r>
             <a:r>
-              <a:rPr lang="en-US" dirty="0" err="1">
+              <a:rPr lang="en-US" dirty="0">
                 <a:latin typeface="Courier New" panose="02070309020205020404" pitchFamily="49" charset="0"/>
                 <a:cs typeface="Courier New" panose="02070309020205020404" pitchFamily="49" charset="0"/>
               </a:rPr>
@@ -12046,7 +10966,14 @@
                 <a:latin typeface="Courier New" panose="02070309020205020404" pitchFamily="49" charset="0"/>
                 <a:cs typeface="Courier New" panose="02070309020205020404" pitchFamily="49" charset="0"/>
               </a:rPr>
-              <a:t>CREATE TABLE AS </a:t>
+              <a:t>CREATE TABLE AS</a:t>
+            </a:r>
+            <a:r>
+              <a:rPr lang="en-US" dirty="0">
+                <a:latin typeface="+mn-lt"/>
+                <a:cs typeface="Courier New" panose="02070309020205020404" pitchFamily="49" charset="0"/>
+              </a:rPr>
+              <a:t> </a:t>
             </a:r>
             <a:r>
               <a:rPr lang="en-US" dirty="0"/>
@@ -12056,32 +10983,11 @@
               <a:rPr lang="en-US" dirty="0"/>
             </a:br>
             <a:r>
-              <a:rPr lang="en-US" dirty="0" err="1">
-                <a:latin typeface="Courier New" panose="02070309020205020404" pitchFamily="49" charset="0"/>
-                <a:cs typeface="Courier New" panose="02070309020205020404" pitchFamily="49" charset="0"/>
-              </a:rPr>
-              <a:t>spark.sql</a:t>
-            </a:r>
-            <a:r>
-              <a:rPr lang="en-US" dirty="0">
-                <a:latin typeface="Courier New" panose="02070309020205020404" pitchFamily="49" charset="0"/>
-                <a:cs typeface="Courier New" panose="02070309020205020404" pitchFamily="49" charset="0"/>
-              </a:rPr>
-              <a:t>('CREATE TABLE Table2 AS SELECT * FROM </a:t>
-            </a:r>
-            <a:r>
-              <a:rPr lang="en-US" dirty="0" err="1">
-                <a:latin typeface="Courier New" panose="02070309020205020404" pitchFamily="49" charset="0"/>
-                <a:cs typeface="Courier New" panose="02070309020205020404" pitchFamily="49" charset="0"/>
-              </a:rPr>
-              <a:t>MyTable</a:t>
-            </a:r>
-            <a:r>
-              <a:rPr lang="en-US" dirty="0">
-                <a:latin typeface="Courier New" panose="02070309020205020404" pitchFamily="49" charset="0"/>
-                <a:cs typeface="Courier New" panose="02070309020205020404" pitchFamily="49" charset="0"/>
-              </a:rPr>
-              <a:t>')</a:t>
+              <a:rPr lang="en-US" dirty="0">
+                <a:latin typeface="Courier New" panose="02070309020205020404" pitchFamily="49" charset="0"/>
+                <a:cs typeface="Courier New" panose="02070309020205020404" pitchFamily="49" charset="0"/>
+              </a:rPr>
+              <a:t>spark.sql('CREATE TABLE Table2 AS SELECT * FROM MyTable')</a:t>
             </a:r>
           </a:p>
           <a:p>
@@ -12094,18 +11000,10 @@
             </a:r>
             <a:r>
               <a:rPr lang="en-US" dirty="0"/>
-              <a:t>are </a:t>
-            </a:r>
-            <a:r>
-              <a:rPr lang="en-US" dirty="0" err="1"/>
-              <a:t>DataFrames</a:t>
-            </a:r>
-            <a:r>
-              <a:rPr lang="en-US" dirty="0"/>
-              <a:t>, </a:t>
-            </a:r>
-            <a:r>
-              <a:rPr lang="en-US" dirty="0" err="1">
+              <a:t>are DataFrames, </a:t>
+            </a:r>
+            <a:r>
+              <a:rPr lang="en-US" dirty="0">
                 <a:latin typeface="Courier New" panose="02070309020205020404" pitchFamily="49" charset="0"/>
                 <a:cs typeface="Courier New" panose="02070309020205020404" pitchFamily="49" charset="0"/>
               </a:rPr>
@@ -12211,7 +11109,7 @@
           <a:p>
             <a:r>
               <a:rPr lang="en-US" dirty="0"/>
-              <a:t>Once you have a temporary view or Hive table you can use a combination of SQL queries and method calls</a:t>
+              <a:t>Once you have a temporary view or Hive table, you can use a combination of SQL queries and method calls</a:t>
             </a:r>
           </a:p>
           <a:p>
@@ -12225,67 +11123,11 @@
               <a:buNone/>
             </a:pPr>
             <a:r>
-              <a:rPr lang="en-US" dirty="0" err="1">
-                <a:latin typeface="Courier New" panose="02070309020205020404" pitchFamily="49" charset="0"/>
-                <a:cs typeface="Courier New" panose="02070309020205020404" pitchFamily="49" charset="0"/>
-              </a:rPr>
-              <a:t>sql</a:t>
-            </a:r>
-            <a:r>
-              <a:rPr lang="en-US" dirty="0">
-                <a:latin typeface="Courier New" panose="02070309020205020404" pitchFamily="49" charset="0"/>
-                <a:cs typeface="Courier New" panose="02070309020205020404" pitchFamily="49" charset="0"/>
-              </a:rPr>
-              <a:t> = """select </a:t>
-            </a:r>
-            <a:r>
-              <a:rPr lang="en-US" dirty="0" err="1">
-                <a:latin typeface="Courier New" panose="02070309020205020404" pitchFamily="49" charset="0"/>
-                <a:cs typeface="Courier New" panose="02070309020205020404" pitchFamily="49" charset="0"/>
-              </a:rPr>
-              <a:t>r.regionid</a:t>
-            </a:r>
-            <a:r>
-              <a:rPr lang="en-US" dirty="0">
-                <a:latin typeface="Courier New" panose="02070309020205020404" pitchFamily="49" charset="0"/>
-                <a:cs typeface="Courier New" panose="02070309020205020404" pitchFamily="49" charset="0"/>
-              </a:rPr>
-              <a:t>, </a:t>
-            </a:r>
-            <a:r>
-              <a:rPr lang="en-US" dirty="0" err="1">
-                <a:latin typeface="Courier New" panose="02070309020205020404" pitchFamily="49" charset="0"/>
-                <a:cs typeface="Courier New" panose="02070309020205020404" pitchFamily="49" charset="0"/>
-              </a:rPr>
-              <a:t>r.regionname</a:t>
-            </a:r>
-            <a:r>
-              <a:rPr lang="en-US" dirty="0">
-                <a:latin typeface="Courier New" panose="02070309020205020404" pitchFamily="49" charset="0"/>
-                <a:cs typeface="Courier New" panose="02070309020205020404" pitchFamily="49" charset="0"/>
-              </a:rPr>
-              <a:t>, </a:t>
-            </a:r>
-            <a:r>
-              <a:rPr lang="en-US" dirty="0" err="1">
-                <a:latin typeface="Courier New" panose="02070309020205020404" pitchFamily="49" charset="0"/>
-                <a:cs typeface="Courier New" panose="02070309020205020404" pitchFamily="49" charset="0"/>
-              </a:rPr>
-              <a:t>t.territoryid</a:t>
-            </a:r>
-            <a:r>
-              <a:rPr lang="en-US" dirty="0">
-                <a:latin typeface="Courier New" panose="02070309020205020404" pitchFamily="49" charset="0"/>
-                <a:cs typeface="Courier New" panose="02070309020205020404" pitchFamily="49" charset="0"/>
-              </a:rPr>
-              <a:t>, </a:t>
-            </a:r>
-            <a:r>
-              <a:rPr lang="en-US" dirty="0" err="1">
-                <a:latin typeface="Courier New" panose="02070309020205020404" pitchFamily="49" charset="0"/>
-                <a:cs typeface="Courier New" panose="02070309020205020404" pitchFamily="49" charset="0"/>
-              </a:rPr>
-              <a:t>t.territoryname</a:t>
+              <a:rPr lang="en-US" dirty="0">
+                <a:latin typeface="Courier New" panose="02070309020205020404" pitchFamily="49" charset="0"/>
+                <a:cs typeface="Courier New" panose="02070309020205020404" pitchFamily="49" charset="0"/>
+              </a:rPr>
+              <a:t>sql = """select r.regionid, r.regionname, t.territoryid, t.territoryname</a:t>
             </a:r>
             <a:br>
               <a:rPr lang="en-US" dirty="0">
@@ -12311,35 +11153,7 @@
                 <a:latin typeface="Courier New" panose="02070309020205020404" pitchFamily="49" charset="0"/>
                 <a:cs typeface="Courier New" panose="02070309020205020404" pitchFamily="49" charset="0"/>
               </a:rPr>
-              <a:t>join territories as t on </a:t>
-            </a:r>
-            <a:r>
-              <a:rPr lang="en-US" dirty="0" err="1">
-                <a:latin typeface="Courier New" panose="02070309020205020404" pitchFamily="49" charset="0"/>
-                <a:cs typeface="Courier New" panose="02070309020205020404" pitchFamily="49" charset="0"/>
-              </a:rPr>
-              <a:t>r.regionid</a:t>
-            </a:r>
-            <a:r>
-              <a:rPr lang="en-US" dirty="0">
-                <a:latin typeface="Courier New" panose="02070309020205020404" pitchFamily="49" charset="0"/>
-                <a:cs typeface="Courier New" panose="02070309020205020404" pitchFamily="49" charset="0"/>
-              </a:rPr>
-              <a:t> = </a:t>
-            </a:r>
-            <a:r>
-              <a:rPr lang="en-US" dirty="0" err="1">
-                <a:latin typeface="Courier New" panose="02070309020205020404" pitchFamily="49" charset="0"/>
-                <a:cs typeface="Courier New" panose="02070309020205020404" pitchFamily="49" charset="0"/>
-              </a:rPr>
-              <a:t>t.regionid</a:t>
-            </a:r>
-            <a:r>
-              <a:rPr lang="en-US" dirty="0">
-                <a:latin typeface="Courier New" panose="02070309020205020404" pitchFamily="49" charset="0"/>
-                <a:cs typeface="Courier New" panose="02070309020205020404" pitchFamily="49" charset="0"/>
-              </a:rPr>
-              <a:t> </a:t>
+              <a:t>join territories as t on r.regionid = t.regionid </a:t>
             </a:r>
             <a:br>
               <a:rPr lang="en-US" dirty="0">
@@ -12352,35 +11166,7 @@
                 <a:latin typeface="Courier New" panose="02070309020205020404" pitchFamily="49" charset="0"/>
                 <a:cs typeface="Courier New" panose="02070309020205020404" pitchFamily="49" charset="0"/>
               </a:rPr>
-              <a:t>order by </a:t>
-            </a:r>
-            <a:r>
-              <a:rPr lang="en-US" dirty="0" err="1">
-                <a:latin typeface="Courier New" panose="02070309020205020404" pitchFamily="49" charset="0"/>
-                <a:cs typeface="Courier New" panose="02070309020205020404" pitchFamily="49" charset="0"/>
-              </a:rPr>
-              <a:t>r.regionid</a:t>
-            </a:r>
-            <a:r>
-              <a:rPr lang="en-US" dirty="0">
-                <a:latin typeface="Courier New" panose="02070309020205020404" pitchFamily="49" charset="0"/>
-                <a:cs typeface="Courier New" panose="02070309020205020404" pitchFamily="49" charset="0"/>
-              </a:rPr>
-              <a:t>, </a:t>
-            </a:r>
-            <a:r>
-              <a:rPr lang="en-US" dirty="0" err="1">
-                <a:latin typeface="Courier New" panose="02070309020205020404" pitchFamily="49" charset="0"/>
-                <a:cs typeface="Courier New" panose="02070309020205020404" pitchFamily="49" charset="0"/>
-              </a:rPr>
-              <a:t>t.territoryid</a:t>
-            </a:r>
-            <a:r>
-              <a:rPr lang="en-US" dirty="0">
-                <a:latin typeface="Courier New" panose="02070309020205020404" pitchFamily="49" charset="0"/>
-                <a:cs typeface="Courier New" panose="02070309020205020404" pitchFamily="49" charset="0"/>
-              </a:rPr>
-              <a:t>"""</a:t>
+              <a:t>order by r.regionid, t.territoryid"""</a:t>
             </a:r>
             <a:br>
               <a:rPr lang="en-US" dirty="0">
@@ -12389,46 +11175,11 @@
               </a:rPr>
             </a:br>
             <a:r>
-              <a:rPr lang="en-US" dirty="0" err="1">
-                <a:latin typeface="Courier New" panose="02070309020205020404" pitchFamily="49" charset="0"/>
-                <a:cs typeface="Courier New" panose="02070309020205020404" pitchFamily="49" charset="0"/>
-              </a:rPr>
-              <a:t>rt</a:t>
-            </a:r>
-            <a:r>
-              <a:rPr lang="en-US" dirty="0">
-                <a:latin typeface="Courier New" panose="02070309020205020404" pitchFamily="49" charset="0"/>
-                <a:cs typeface="Courier New" panose="02070309020205020404" pitchFamily="49" charset="0"/>
-              </a:rPr>
-              <a:t> = </a:t>
-            </a:r>
-            <a:r>
-              <a:rPr lang="en-US" dirty="0" err="1">
-                <a:latin typeface="Courier New" panose="02070309020205020404" pitchFamily="49" charset="0"/>
-                <a:cs typeface="Courier New" panose="02070309020205020404" pitchFamily="49" charset="0"/>
-              </a:rPr>
-              <a:t>spark.sql</a:t>
-            </a:r>
-            <a:r>
-              <a:rPr lang="en-US" dirty="0">
-                <a:latin typeface="Courier New" panose="02070309020205020404" pitchFamily="49" charset="0"/>
-                <a:cs typeface="Courier New" panose="02070309020205020404" pitchFamily="49" charset="0"/>
-              </a:rPr>
-              <a:t>(</a:t>
-            </a:r>
-            <a:r>
-              <a:rPr lang="en-US" dirty="0" err="1">
-                <a:latin typeface="Courier New" panose="02070309020205020404" pitchFamily="49" charset="0"/>
-                <a:cs typeface="Courier New" panose="02070309020205020404" pitchFamily="49" charset="0"/>
-              </a:rPr>
-              <a:t>sql</a:t>
-            </a:r>
-            <a:r>
-              <a:rPr lang="en-US" dirty="0">
-                <a:latin typeface="Courier New" panose="02070309020205020404" pitchFamily="49" charset="0"/>
-                <a:cs typeface="Courier New" panose="02070309020205020404" pitchFamily="49" charset="0"/>
-              </a:rPr>
-              <a:t>)</a:t>
+              <a:rPr lang="en-US" dirty="0">
+                <a:latin typeface="Courier New" panose="02070309020205020404" pitchFamily="49" charset="0"/>
+                <a:cs typeface="Courier New" panose="02070309020205020404" pitchFamily="49" charset="0"/>
+              </a:rPr>
+              <a:t>rt = spark.sql(sql)</a:t>
             </a:r>
           </a:p>
           <a:p>
@@ -12436,116 +11187,11 @@
               <a:buNone/>
             </a:pPr>
             <a:r>
-              <a:rPr lang="en-US" dirty="0" err="1">
-                <a:latin typeface="Courier New" panose="02070309020205020404" pitchFamily="49" charset="0"/>
-                <a:cs typeface="Courier New" panose="02070309020205020404" pitchFamily="49" charset="0"/>
-              </a:rPr>
-              <a:t>tr</a:t>
-            </a:r>
-            <a:r>
-              <a:rPr lang="en-US" dirty="0">
-                <a:latin typeface="Courier New" panose="02070309020205020404" pitchFamily="49" charset="0"/>
-                <a:cs typeface="Courier New" panose="02070309020205020404" pitchFamily="49" charset="0"/>
-              </a:rPr>
-              <a:t> = </a:t>
-            </a:r>
-            <a:r>
-              <a:rPr lang="en-US" dirty="0" err="1">
-                <a:latin typeface="Courier New" panose="02070309020205020404" pitchFamily="49" charset="0"/>
-                <a:cs typeface="Courier New" panose="02070309020205020404" pitchFamily="49" charset="0"/>
-              </a:rPr>
-              <a:t>regions.join</a:t>
-            </a:r>
-            <a:r>
-              <a:rPr lang="en-US" dirty="0">
-                <a:latin typeface="Courier New" panose="02070309020205020404" pitchFamily="49" charset="0"/>
-                <a:cs typeface="Courier New" panose="02070309020205020404" pitchFamily="49" charset="0"/>
-              </a:rPr>
-              <a:t>(territories, </a:t>
-            </a:r>
-            <a:r>
-              <a:rPr lang="en-US" dirty="0" err="1">
-                <a:latin typeface="Courier New" panose="02070309020205020404" pitchFamily="49" charset="0"/>
-                <a:cs typeface="Courier New" panose="02070309020205020404" pitchFamily="49" charset="0"/>
-              </a:rPr>
-              <a:t>regions.regionid</a:t>
-            </a:r>
-            <a:r>
-              <a:rPr lang="en-US" dirty="0">
-                <a:latin typeface="Courier New" panose="02070309020205020404" pitchFamily="49" charset="0"/>
-                <a:cs typeface="Courier New" panose="02070309020205020404" pitchFamily="49" charset="0"/>
-              </a:rPr>
-              <a:t> == </a:t>
-            </a:r>
-            <a:r>
-              <a:rPr lang="en-US" dirty="0" err="1">
-                <a:latin typeface="Courier New" panose="02070309020205020404" pitchFamily="49" charset="0"/>
-                <a:cs typeface="Courier New" panose="02070309020205020404" pitchFamily="49" charset="0"/>
-              </a:rPr>
-              <a:t>territories.RegionID</a:t>
-            </a:r>
-            <a:r>
-              <a:rPr lang="en-US" dirty="0">
-                <a:latin typeface="Courier New" panose="02070309020205020404" pitchFamily="49" charset="0"/>
-                <a:cs typeface="Courier New" panose="02070309020205020404" pitchFamily="49" charset="0"/>
-              </a:rPr>
-              <a:t>).select('</a:t>
-            </a:r>
-            <a:r>
-              <a:rPr lang="en-US" dirty="0" err="1">
-                <a:latin typeface="Courier New" panose="02070309020205020404" pitchFamily="49" charset="0"/>
-                <a:cs typeface="Courier New" panose="02070309020205020404" pitchFamily="49" charset="0"/>
-              </a:rPr>
-              <a:t>regions.regionid</a:t>
-            </a:r>
-            <a:r>
-              <a:rPr lang="en-US" dirty="0">
-                <a:latin typeface="Courier New" panose="02070309020205020404" pitchFamily="49" charset="0"/>
-                <a:cs typeface="Courier New" panose="02070309020205020404" pitchFamily="49" charset="0"/>
-              </a:rPr>
-              <a:t>', '</a:t>
-            </a:r>
-            <a:r>
-              <a:rPr lang="en-US" dirty="0" err="1">
-                <a:latin typeface="Courier New" panose="02070309020205020404" pitchFamily="49" charset="0"/>
-                <a:cs typeface="Courier New" panose="02070309020205020404" pitchFamily="49" charset="0"/>
-              </a:rPr>
-              <a:t>regionname</a:t>
-            </a:r>
-            <a:r>
-              <a:rPr lang="en-US" dirty="0">
-                <a:latin typeface="Courier New" panose="02070309020205020404" pitchFamily="49" charset="0"/>
-                <a:cs typeface="Courier New" panose="02070309020205020404" pitchFamily="49" charset="0"/>
-              </a:rPr>
-              <a:t>', '</a:t>
-            </a:r>
-            <a:r>
-              <a:rPr lang="en-US" dirty="0" err="1">
-                <a:latin typeface="Courier New" panose="02070309020205020404" pitchFamily="49" charset="0"/>
-                <a:cs typeface="Courier New" panose="02070309020205020404" pitchFamily="49" charset="0"/>
-              </a:rPr>
-              <a:t>TerritoryID</a:t>
-            </a:r>
-            <a:r>
-              <a:rPr lang="en-US" dirty="0">
-                <a:latin typeface="Courier New" panose="02070309020205020404" pitchFamily="49" charset="0"/>
-                <a:cs typeface="Courier New" panose="02070309020205020404" pitchFamily="49" charset="0"/>
-              </a:rPr>
-              <a:t>', '</a:t>
-            </a:r>
-            <a:r>
-              <a:rPr lang="en-US" dirty="0" err="1">
-                <a:latin typeface="Courier New" panose="02070309020205020404" pitchFamily="49" charset="0"/>
-                <a:cs typeface="Courier New" panose="02070309020205020404" pitchFamily="49" charset="0"/>
-              </a:rPr>
-              <a:t>TerritoryName</a:t>
-            </a:r>
-            <a:r>
-              <a:rPr lang="en-US" dirty="0">
-                <a:latin typeface="Courier New" panose="02070309020205020404" pitchFamily="49" charset="0"/>
-                <a:cs typeface="Courier New" panose="02070309020205020404" pitchFamily="49" charset="0"/>
-              </a:rPr>
-              <a:t>')</a:t>
+              <a:rPr lang="en-US" dirty="0">
+                <a:latin typeface="Courier New" panose="02070309020205020404" pitchFamily="49" charset="0"/>
+                <a:cs typeface="Courier New" panose="02070309020205020404" pitchFamily="49" charset="0"/>
+              </a:rPr>
+              <a:t>tr = regions.join(territories, regions.regionid == territories.RegionID).select('regions.regionid', 'regionname', 'TerritoryID', 'TerritoryName')</a:t>
             </a:r>
           </a:p>
         </p:txBody>
@@ -12567,7 +11213,7 @@
           <a:p>
             <a:r>
               <a:rPr lang="en-US" dirty="0"/>
-              <a:t>Methods vs SQL</a:t>
+              <a:t>Methods vs. SQL</a:t>
             </a:r>
           </a:p>
         </p:txBody>
@@ -12619,22 +11265,14 @@
           <a:p>
             <a:r>
               <a:rPr lang="en-US" dirty="0"/>
-              <a:t>Data in any SQL server such as Oracle, MySQL, </a:t>
-            </a:r>
-            <a:r>
-              <a:rPr lang="en-US" dirty="0" err="1"/>
-              <a:t>SyBase</a:t>
-            </a:r>
-            <a:r>
-              <a:rPr lang="en-US" dirty="0"/>
-              <a:t> or Microsoft SQL Server is stored in one central server and can be processed using that server's dialect of SQL</a:t>
+              <a:t>Data in any SQL server such as Oracle, MySQL, Sybase, or Microsoft SQL Server is stored in one central server and can be processed using that server’s dialect of SQL</a:t>
             </a:r>
           </a:p>
           <a:p>
             <a:pPr lvl="1"/>
             <a:r>
               <a:rPr lang="en-US" dirty="0"/>
-              <a:t>does not run in a cluster or scale</a:t>
+              <a:t>Does not run in a cluster or scale</a:t>
             </a:r>
           </a:p>
           <a:p>
@@ -12647,29 +11285,21 @@
           <a:p>
             <a:r>
               <a:rPr lang="en-US" dirty="0"/>
-              <a:t>Spark can read and write data stored in a SQL server into a Spark </a:t>
-            </a:r>
-            <a:r>
-              <a:rPr lang="en-US" dirty="0" err="1"/>
-              <a:t>DataFrame</a:t>
-            </a:r>
-            <a:r>
-              <a:rPr lang="en-US" dirty="0"/>
-              <a:t> and process it</a:t>
+              <a:t>Spark can read and write data stored in a SQL Server into a Spark DataFrame and process it</a:t>
             </a:r>
           </a:p>
           <a:p>
             <a:pPr lvl="1"/>
             <a:r>
               <a:rPr lang="en-US" dirty="0"/>
-              <a:t>uses the cluster and scales</a:t>
+              <a:t>Uses the cluster and scales</a:t>
             </a:r>
           </a:p>
           <a:p>
             <a:pPr lvl="1"/>
             <a:r>
               <a:rPr lang="en-US" dirty="0"/>
-              <a:t>only uses SQL as storage</a:t>
+              <a:t>Only uses SQL as storage</a:t>
             </a:r>
           </a:p>
           <a:p>
@@ -12752,22 +11382,14 @@
           <a:p>
             <a:r>
               <a:rPr lang="en-US" dirty="0"/>
-              <a:t>Spark can connect to any JDBC or ODBC  data source</a:t>
+              <a:t>Spark can connect to any JDBC or ODBC data source</a:t>
             </a:r>
           </a:p>
           <a:p>
             <a:pPr lvl="1"/>
             <a:r>
               <a:rPr lang="en-US" dirty="0"/>
-              <a:t>Write a </a:t>
-            </a:r>
-            <a:r>
-              <a:rPr lang="en-US" dirty="0" err="1"/>
-              <a:t>DataFrame</a:t>
-            </a:r>
-            <a:r>
-              <a:rPr lang="en-US" dirty="0"/>
-              <a:t> to a new SQL table</a:t>
+              <a:t>Write a DataFrame to a new SQL table</a:t>
             </a:r>
             <a:br>
               <a:rPr lang="en-US" dirty="0"/>
@@ -12776,116 +11398,11 @@
               <a:rPr lang="en-US" dirty="0"/>
             </a:br>
             <a:r>
-              <a:rPr lang="en-US" dirty="0" err="1">
-                <a:latin typeface="Courier New" panose="02070309020205020404" pitchFamily="49" charset="0"/>
-                <a:cs typeface="Courier New" panose="02070309020205020404" pitchFamily="49" charset="0"/>
-              </a:rPr>
-              <a:t>regions.write.format</a:t>
-            </a:r>
-            <a:r>
-              <a:rPr lang="en-US" dirty="0">
-                <a:latin typeface="Courier New" panose="02070309020205020404" pitchFamily="49" charset="0"/>
-                <a:cs typeface="Courier New" panose="02070309020205020404" pitchFamily="49" charset="0"/>
-              </a:rPr>
-              <a:t>("</a:t>
-            </a:r>
-            <a:r>
-              <a:rPr lang="en-US" dirty="0" err="1">
-                <a:latin typeface="Courier New" panose="02070309020205020404" pitchFamily="49" charset="0"/>
-                <a:cs typeface="Courier New" panose="02070309020205020404" pitchFamily="49" charset="0"/>
-              </a:rPr>
-              <a:t>jdbc</a:t>
-            </a:r>
-            <a:r>
-              <a:rPr lang="en-US" dirty="0">
-                <a:latin typeface="Courier New" panose="02070309020205020404" pitchFamily="49" charset="0"/>
-                <a:cs typeface="Courier New" panose="02070309020205020404" pitchFamily="49" charset="0"/>
-              </a:rPr>
-              <a:t>").options(</a:t>
-            </a:r>
-            <a:r>
-              <a:rPr lang="en-US" dirty="0" err="1">
-                <a:latin typeface="Courier New" panose="02070309020205020404" pitchFamily="49" charset="0"/>
-                <a:cs typeface="Courier New" panose="02070309020205020404" pitchFamily="49" charset="0"/>
-              </a:rPr>
-              <a:t>url</a:t>
-            </a:r>
-            <a:r>
-              <a:rPr lang="en-US" dirty="0">
-                <a:latin typeface="Courier New" panose="02070309020205020404" pitchFamily="49" charset="0"/>
-                <a:cs typeface="Courier New" panose="02070309020205020404" pitchFamily="49" charset="0"/>
-              </a:rPr>
-              <a:t>="</a:t>
-            </a:r>
-            <a:r>
-              <a:rPr lang="en-US" dirty="0" err="1">
-                <a:latin typeface="Courier New" panose="02070309020205020404" pitchFamily="49" charset="0"/>
-                <a:cs typeface="Courier New" panose="02070309020205020404" pitchFamily="49" charset="0"/>
-              </a:rPr>
-              <a:t>jdbc:mysql</a:t>
-            </a:r>
-            <a:r>
-              <a:rPr lang="en-US" dirty="0">
-                <a:latin typeface="Courier New" panose="02070309020205020404" pitchFamily="49" charset="0"/>
-                <a:cs typeface="Courier New" panose="02070309020205020404" pitchFamily="49" charset="0"/>
-              </a:rPr>
-              <a:t>://localhost/</a:t>
-            </a:r>
-            <a:r>
-              <a:rPr lang="en-US" dirty="0" err="1">
-                <a:latin typeface="Courier New" panose="02070309020205020404" pitchFamily="49" charset="0"/>
-                <a:cs typeface="Courier New" panose="02070309020205020404" pitchFamily="49" charset="0"/>
-              </a:rPr>
-              <a:t>northwind</a:t>
-            </a:r>
-            <a:r>
-              <a:rPr lang="en-US" dirty="0">
-                <a:latin typeface="Courier New" panose="02070309020205020404" pitchFamily="49" charset="0"/>
-                <a:cs typeface="Courier New" panose="02070309020205020404" pitchFamily="49" charset="0"/>
-              </a:rPr>
-              <a:t>", driver='</a:t>
-            </a:r>
-            <a:r>
-              <a:rPr lang="en-US" dirty="0" err="1">
-                <a:latin typeface="Courier New" panose="02070309020205020404" pitchFamily="49" charset="0"/>
-                <a:cs typeface="Courier New" panose="02070309020205020404" pitchFamily="49" charset="0"/>
-              </a:rPr>
-              <a:t>com.mysql.jdbc.Driver</a:t>
-            </a:r>
-            <a:r>
-              <a:rPr lang="en-US" dirty="0">
-                <a:latin typeface="Courier New" panose="02070309020205020404" pitchFamily="49" charset="0"/>
-                <a:cs typeface="Courier New" panose="02070309020205020404" pitchFamily="49" charset="0"/>
-              </a:rPr>
-              <a:t>', </a:t>
-            </a:r>
-            <a:r>
-              <a:rPr lang="en-US" dirty="0" err="1">
-                <a:latin typeface="Courier New" panose="02070309020205020404" pitchFamily="49" charset="0"/>
-                <a:cs typeface="Courier New" panose="02070309020205020404" pitchFamily="49" charset="0"/>
-              </a:rPr>
-              <a:t>dbtable</a:t>
-            </a:r>
-            <a:r>
-              <a:rPr lang="en-US" dirty="0">
-                <a:latin typeface="Courier New" panose="02070309020205020404" pitchFamily="49" charset="0"/>
-                <a:cs typeface="Courier New" panose="02070309020205020404" pitchFamily="49" charset="0"/>
-              </a:rPr>
-              <a:t>='regions', user='test', password = "password", mode = "append", </a:t>
-            </a:r>
-            <a:r>
-              <a:rPr lang="en-US" dirty="0" err="1">
-                <a:latin typeface="Courier New" panose="02070309020205020404" pitchFamily="49" charset="0"/>
-                <a:cs typeface="Courier New" panose="02070309020205020404" pitchFamily="49" charset="0"/>
-              </a:rPr>
-              <a:t>useSSL</a:t>
-            </a:r>
-            <a:r>
-              <a:rPr lang="en-US" dirty="0">
-                <a:latin typeface="Courier New" panose="02070309020205020404" pitchFamily="49" charset="0"/>
-                <a:cs typeface="Courier New" panose="02070309020205020404" pitchFamily="49" charset="0"/>
-              </a:rPr>
-              <a:t> = "false").save()</a:t>
+              <a:rPr lang="en-US" dirty="0">
+                <a:latin typeface="Courier New" panose="02070309020205020404" pitchFamily="49" charset="0"/>
+                <a:cs typeface="Courier New" panose="02070309020205020404" pitchFamily="49" charset="0"/>
+              </a:rPr>
+              <a:t>regions.write.format("jdbc").options(url="jdbc:mysql://localhost/northwind", driver='com.mysql.jdbc.Driver', dbtable='regions', user='test', password = "password", mode = "append", useSSL = "false").save()</a:t>
             </a:r>
           </a:p>
           <a:p>
@@ -12896,15 +11413,7 @@
             <a:pPr lvl="1"/>
             <a:r>
               <a:rPr lang="en-US" dirty="0"/>
-              <a:t>Read a SQL table into a </a:t>
-            </a:r>
-            <a:r>
-              <a:rPr lang="en-US" dirty="0" err="1"/>
-              <a:t>DataFrame</a:t>
-            </a:r>
-            <a:r>
-              <a:rPr lang="en-US" dirty="0"/>
-              <a:t> </a:t>
+              <a:t>Read a SQL table into a DataFrame </a:t>
             </a:r>
           </a:p>
           <a:p>
@@ -12922,105 +11431,7 @@
                 <a:latin typeface="Courier New" panose="02070309020205020404" pitchFamily="49" charset="0"/>
                 <a:cs typeface="Courier New" panose="02070309020205020404" pitchFamily="49" charset="0"/>
               </a:rPr>
-              <a:t>regions2 = </a:t>
-            </a:r>
-            <a:r>
-              <a:rPr lang="en-US" dirty="0" err="1">
-                <a:latin typeface="Courier New" panose="02070309020205020404" pitchFamily="49" charset="0"/>
-                <a:cs typeface="Courier New" panose="02070309020205020404" pitchFamily="49" charset="0"/>
-              </a:rPr>
-              <a:t>spark.read.format</a:t>
-            </a:r>
-            <a:r>
-              <a:rPr lang="en-US" dirty="0">
-                <a:latin typeface="Courier New" panose="02070309020205020404" pitchFamily="49" charset="0"/>
-                <a:cs typeface="Courier New" panose="02070309020205020404" pitchFamily="49" charset="0"/>
-              </a:rPr>
-              <a:t>("</a:t>
-            </a:r>
-            <a:r>
-              <a:rPr lang="en-US" dirty="0" err="1">
-                <a:latin typeface="Courier New" panose="02070309020205020404" pitchFamily="49" charset="0"/>
-                <a:cs typeface="Courier New" panose="02070309020205020404" pitchFamily="49" charset="0"/>
-              </a:rPr>
-              <a:t>jdbc</a:t>
-            </a:r>
-            <a:r>
-              <a:rPr lang="en-US" dirty="0">
-                <a:latin typeface="Courier New" panose="02070309020205020404" pitchFamily="49" charset="0"/>
-                <a:cs typeface="Courier New" panose="02070309020205020404" pitchFamily="49" charset="0"/>
-              </a:rPr>
-              <a:t>").  options(</a:t>
-            </a:r>
-            <a:r>
-              <a:rPr lang="en-US" dirty="0" err="1">
-                <a:latin typeface="Courier New" panose="02070309020205020404" pitchFamily="49" charset="0"/>
-                <a:cs typeface="Courier New" panose="02070309020205020404" pitchFamily="49" charset="0"/>
-              </a:rPr>
-              <a:t>url</a:t>
-            </a:r>
-            <a:r>
-              <a:rPr lang="en-US" dirty="0">
-                <a:latin typeface="Courier New" panose="02070309020205020404" pitchFamily="49" charset="0"/>
-                <a:cs typeface="Courier New" panose="02070309020205020404" pitchFamily="49" charset="0"/>
-              </a:rPr>
-              <a:t>="</a:t>
-            </a:r>
-            <a:r>
-              <a:rPr lang="en-US" dirty="0" err="1">
-                <a:latin typeface="Courier New" panose="02070309020205020404" pitchFamily="49" charset="0"/>
-                <a:cs typeface="Courier New" panose="02070309020205020404" pitchFamily="49" charset="0"/>
-              </a:rPr>
-              <a:t>jdbc:mysql</a:t>
-            </a:r>
-            <a:r>
-              <a:rPr lang="en-US" dirty="0">
-                <a:latin typeface="Courier New" panose="02070309020205020404" pitchFamily="49" charset="0"/>
-                <a:cs typeface="Courier New" panose="02070309020205020404" pitchFamily="49" charset="0"/>
-              </a:rPr>
-              <a:t>://localhost/</a:t>
-            </a:r>
-            <a:r>
-              <a:rPr lang="en-US" dirty="0" err="1">
-                <a:latin typeface="Courier New" panose="02070309020205020404" pitchFamily="49" charset="0"/>
-                <a:cs typeface="Courier New" panose="02070309020205020404" pitchFamily="49" charset="0"/>
-              </a:rPr>
-              <a:t>northwind</a:t>
-            </a:r>
-            <a:r>
-              <a:rPr lang="en-US" dirty="0">
-                <a:latin typeface="Courier New" panose="02070309020205020404" pitchFamily="49" charset="0"/>
-                <a:cs typeface="Courier New" panose="02070309020205020404" pitchFamily="49" charset="0"/>
-              </a:rPr>
-              <a:t>", driver="</a:t>
-            </a:r>
-            <a:r>
-              <a:rPr lang="en-US" dirty="0" err="1">
-                <a:latin typeface="Courier New" panose="02070309020205020404" pitchFamily="49" charset="0"/>
-                <a:cs typeface="Courier New" panose="02070309020205020404" pitchFamily="49" charset="0"/>
-              </a:rPr>
-              <a:t>com.mysql.jdbc.Driver</a:t>
-            </a:r>
-            <a:r>
-              <a:rPr lang="en-US" dirty="0">
-                <a:latin typeface="Courier New" panose="02070309020205020404" pitchFamily="49" charset="0"/>
-                <a:cs typeface="Courier New" panose="02070309020205020404" pitchFamily="49" charset="0"/>
-              </a:rPr>
-              <a:t>", </a:t>
-            </a:r>
-            <a:r>
-              <a:rPr lang="en-US" dirty="0" err="1">
-                <a:latin typeface="Courier New" panose="02070309020205020404" pitchFamily="49" charset="0"/>
-                <a:cs typeface="Courier New" panose="02070309020205020404" pitchFamily="49" charset="0"/>
-              </a:rPr>
-              <a:t>dbtable</a:t>
-            </a:r>
-            <a:r>
-              <a:rPr lang="en-US" dirty="0">
-                <a:latin typeface="Courier New" panose="02070309020205020404" pitchFamily="49" charset="0"/>
-                <a:cs typeface="Courier New" panose="02070309020205020404" pitchFamily="49" charset="0"/>
-              </a:rPr>
-              <a:t>= "regions", user="test", password="password").load()</a:t>
+              <a:t>regions2 = spark.read.format("jdbc").  options(url="jdbc:mysql://localhost/northwind", driver="com.mysql.jdbc.Driver", dbtable= "regions", user="test", password="password").load()</a:t>
             </a:r>
           </a:p>
           <a:p>
@@ -14548,15 +12959,15 @@
 <file path=customXml/itemProps1.xml><?xml version="1.0" encoding="utf-8"?>
 <ds:datastoreItem xmlns:ds="http://schemas.openxmlformats.org/officeDocument/2006/customXml" ds:itemID="{F47B9207-CE5C-49AD-B414-15CBFA246D65}">
   <ds:schemaRefs>
+    <ds:schemaRef ds:uri="http://schemas.microsoft.com/office/2006/metadata/properties"/>
+    <ds:schemaRef ds:uri="http://schemas.microsoft.com/office/2006/documentManagement/types"/>
+    <ds:schemaRef ds:uri="http://purl.org/dc/elements/1.1/"/>
+    <ds:schemaRef ds:uri="037063e9-a85e-4c78-8627-f1a9315663e5"/>
+    <ds:schemaRef ds:uri="http://www.w3.org/XML/1998/namespace"/>
+    <ds:schemaRef ds:uri="http://schemas.microsoft.com/office/infopath/2007/PartnerControls"/>
     <ds:schemaRef ds:uri="http://purl.org/dc/terms/"/>
-    <ds:schemaRef ds:uri="037063e9-a85e-4c78-8627-f1a9315663e5"/>
-    <ds:schemaRef ds:uri="http://schemas.microsoft.com/office/2006/documentManagement/types"/>
-    <ds:schemaRef ds:uri="http://schemas.microsoft.com/office/infopath/2007/PartnerControls"/>
-    <ds:schemaRef ds:uri="http://purl.org/dc/elements/1.1/"/>
-    <ds:schemaRef ds:uri="http://schemas.microsoft.com/office/2006/metadata/properties"/>
     <ds:schemaRef ds:uri="http://schemas.openxmlformats.org/package/2006/metadata/core-properties"/>
     <ds:schemaRef ds:uri="027ed24f-5970-4294-be5c-0919c5aaa214"/>
-    <ds:schemaRef ds:uri="http://www.w3.org/XML/1998/namespace"/>
     <ds:schemaRef ds:uri="http://purl.org/dc/dcmitype/"/>
   </ds:schemaRefs>
 </ds:datastoreItem>

--- a/Day3/Ch04_SparkSQL.pptx
+++ b/Day3/Ch04_SparkSQL.pptx
@@ -5,10 +5,10 @@
     <p:sldMasterId id="2147483684" r:id="rId5"/>
   </p:sldMasterIdLst>
   <p:notesMasterIdLst>
-    <p:notesMasterId r:id="rId29"/>
+    <p:notesMasterId r:id="rId28"/>
   </p:notesMasterIdLst>
   <p:handoutMasterIdLst>
-    <p:handoutMasterId r:id="rId30"/>
+    <p:handoutMasterId r:id="rId29"/>
   </p:handoutMasterIdLst>
   <p:sldIdLst>
     <p:sldId id="257" r:id="rId6"/>
@@ -32,8 +32,7 @@
     <p:sldId id="394" r:id="rId24"/>
     <p:sldId id="398" r:id="rId25"/>
     <p:sldId id="399" r:id="rId26"/>
-    <p:sldId id="400" r:id="rId27"/>
-    <p:sldId id="397" r:id="rId28"/>
+    <p:sldId id="397" r:id="rId27"/>
   </p:sldIdLst>
   <p:sldSz cx="9144000" cy="6858000" type="screen4x3"/>
   <p:notesSz cx="7053263" cy="9356725"/>
@@ -2086,72 +2085,6 @@
 </file>
 
 <file path=ppt/notesSlides/notesSlide22.xml><?xml version="1.0" encoding="utf-8"?>
-<p:notes xmlns:a="http://schemas.openxmlformats.org/drawingml/2006/main" xmlns:r="http://schemas.openxmlformats.org/officeDocument/2006/relationships" xmlns:p="http://schemas.openxmlformats.org/presentationml/2006/main">
-  <p:cSld>
-    <p:spTree>
-      <p:nvGrpSpPr>
-        <p:cNvPr id="1" name=""/>
-        <p:cNvGrpSpPr/>
-        <p:nvPr/>
-      </p:nvGrpSpPr>
-      <p:grpSpPr>
-        <a:xfrm>
-          <a:off x="0" y="0"/>
-          <a:ext cx="0" cy="0"/>
-          <a:chOff x="0" y="0"/>
-          <a:chExt cx="0" cy="0"/>
-        </a:xfrm>
-      </p:grpSpPr>
-      <p:sp>
-        <p:nvSpPr>
-          <p:cNvPr id="2" name="Slide Image Placeholder 1"/>
-          <p:cNvSpPr>
-            <a:spLocks noGrp="1" noRot="1" noChangeAspect="1"/>
-          </p:cNvSpPr>
-          <p:nvPr>
-            <p:ph type="sldImg"/>
-          </p:nvPr>
-        </p:nvSpPr>
-        <p:spPr>
-          <a:xfrm>
-            <a:off x="1189038" y="701675"/>
-            <a:ext cx="4676775" cy="3508375"/>
-          </a:xfrm>
-        </p:spPr>
-      </p:sp>
-      <p:sp>
-        <p:nvSpPr>
-          <p:cNvPr id="3" name="Notes Placeholder 2"/>
-          <p:cNvSpPr>
-            <a:spLocks noGrp="1"/>
-          </p:cNvSpPr>
-          <p:nvPr>
-            <p:ph type="body" idx="1"/>
-          </p:nvPr>
-        </p:nvSpPr>
-        <p:spPr/>
-        <p:txBody>
-          <a:bodyPr/>
-          <a:lstStyle/>
-          <a:p>
-            <a:endParaRPr lang="en-US" dirty="0"/>
-          </a:p>
-        </p:txBody>
-      </p:sp>
-    </p:spTree>
-    <p:extLst>
-      <p:ext uri="{BB962C8B-B14F-4D97-AF65-F5344CB8AC3E}">
-        <p14:creationId xmlns:p14="http://schemas.microsoft.com/office/powerpoint/2010/main" val="2604223289"/>
-      </p:ext>
-    </p:extLst>
-  </p:cSld>
-  <p:clrMapOvr>
-    <a:masterClrMapping/>
-  </p:clrMapOvr>
-</p:notes>
-</file>
-
-<file path=ppt/notesSlides/notesSlide23.xml><?xml version="1.0" encoding="utf-8"?>
 <p:notes xmlns:a="http://schemas.openxmlformats.org/drawingml/2006/main" xmlns:r="http://schemas.openxmlformats.org/officeDocument/2006/relationships" xmlns:p="http://schemas.openxmlformats.org/presentationml/2006/main">
   <p:cSld>
     <p:spTree>
@@ -10173,7 +10106,7 @@
           <a:p>
             <a:r>
               <a:rPr lang="en-US" dirty="0"/>
-              <a:t>Closing Thoughts</a:t>
+              <a:t>Closing Thoughts (continued)</a:t>
             </a:r>
           </a:p>
         </p:txBody>
@@ -10192,151 +10125,6 @@
 </file>
 
 <file path=ppt/slides/slide22.xml><?xml version="1.0" encoding="utf-8"?>
-<p:sld xmlns:a="http://schemas.openxmlformats.org/drawingml/2006/main" xmlns:r="http://schemas.openxmlformats.org/officeDocument/2006/relationships" xmlns:p="http://schemas.openxmlformats.org/presentationml/2006/main">
-  <p:cSld>
-    <p:spTree>
-      <p:nvGrpSpPr>
-        <p:cNvPr id="1" name=""/>
-        <p:cNvGrpSpPr/>
-        <p:nvPr/>
-      </p:nvGrpSpPr>
-      <p:grpSpPr>
-        <a:xfrm>
-          <a:off x="0" y="0"/>
-          <a:ext cx="0" cy="0"/>
-          <a:chOff x="0" y="0"/>
-          <a:chExt cx="0" cy="0"/>
-        </a:xfrm>
-      </p:grpSpPr>
-      <p:sp>
-        <p:nvSpPr>
-          <p:cNvPr id="2" name="Content Placeholder 1"/>
-          <p:cNvSpPr>
-            <a:spLocks noGrp="1"/>
-          </p:cNvSpPr>
-          <p:nvPr>
-            <p:ph idx="1"/>
-          </p:nvPr>
-        </p:nvSpPr>
-        <p:spPr/>
-        <p:txBody>
-          <a:bodyPr/>
-          <a:lstStyle/>
-          <a:p>
-            <a:r>
-              <a:rPr lang="en-US" dirty="0"/>
-              <a:t>Spark and NoSQL such as Cassandra, Mongo, and HBase make a powerful combination</a:t>
-            </a:r>
-          </a:p>
-          <a:p>
-            <a:r>
-              <a:rPr lang="en-US" dirty="0"/>
-              <a:t>NoSQL can be used to acquire real-time data in a transactional system</a:t>
-            </a:r>
-          </a:p>
-          <a:p>
-            <a:r>
-              <a:rPr lang="en-US" dirty="0"/>
-              <a:t>Spark can be used to query the data stored in NoSQL in ways that cannot be done with the native NoSQL engine</a:t>
-            </a:r>
-          </a:p>
-          <a:p>
-            <a:r>
-              <a:rPr lang="en-US" dirty="0"/>
-              <a:t>Most NoSQL does not support complex analytical queries like </a:t>
-            </a:r>
-            <a:r>
-              <a:rPr lang="en-US" dirty="0">
-                <a:latin typeface="Courier New" panose="02070309020205020404" pitchFamily="49" charset="0"/>
-                <a:cs typeface="Courier New" panose="02070309020205020404" pitchFamily="49" charset="0"/>
-              </a:rPr>
-              <a:t>JOIN</a:t>
-            </a:r>
-            <a:r>
-              <a:rPr lang="en-US" dirty="0"/>
-              <a:t>, </a:t>
-            </a:r>
-            <a:r>
-              <a:rPr lang="en-US" dirty="0">
-                <a:latin typeface="Courier New" panose="02070309020205020404" pitchFamily="49" charset="0"/>
-                <a:cs typeface="Courier New" panose="02070309020205020404" pitchFamily="49" charset="0"/>
-              </a:rPr>
-              <a:t>GROUP</a:t>
-            </a:r>
-            <a:r>
-              <a:rPr lang="en-US" dirty="0"/>
-              <a:t>, </a:t>
-            </a:r>
-            <a:r>
-              <a:rPr lang="en-US" dirty="0">
-                <a:latin typeface="Courier New" panose="02070309020205020404" pitchFamily="49" charset="0"/>
-                <a:cs typeface="Courier New" panose="02070309020205020404" pitchFamily="49" charset="0"/>
-              </a:rPr>
-              <a:t>ORDER</a:t>
-            </a:r>
-            <a:r>
-              <a:rPr lang="en-US" dirty="0"/>
-              <a:t> </a:t>
-            </a:r>
-            <a:r>
-              <a:rPr lang="en-US" dirty="0">
-                <a:latin typeface="Courier New" panose="02070309020205020404" pitchFamily="49" charset="0"/>
-                <a:cs typeface="Courier New" panose="02070309020205020404" pitchFamily="49" charset="0"/>
-              </a:rPr>
-              <a:t>BY</a:t>
-            </a:r>
-            <a:r>
-              <a:rPr lang="en-US" dirty="0"/>
-              <a:t>, etc.</a:t>
-            </a:r>
-          </a:p>
-          <a:p>
-            <a:r>
-              <a:rPr lang="en-US" dirty="0"/>
-              <a:t>Using Spark to read data stored in NoSQL creates a combination that offers many of the features of a traditional SQL server but with the power of a cluster to handle large volumes</a:t>
-            </a:r>
-          </a:p>
-          <a:p>
-            <a:endParaRPr lang="en-US" dirty="0"/>
-          </a:p>
-        </p:txBody>
-      </p:sp>
-      <p:sp>
-        <p:nvSpPr>
-          <p:cNvPr id="3" name="Title 2"/>
-          <p:cNvSpPr>
-            <a:spLocks noGrp="1"/>
-          </p:cNvSpPr>
-          <p:nvPr>
-            <p:ph type="title"/>
-          </p:nvPr>
-        </p:nvSpPr>
-        <p:spPr/>
-        <p:txBody>
-          <a:bodyPr/>
-          <a:lstStyle/>
-          <a:p>
-            <a:r>
-              <a:rPr lang="en-US" dirty="0"/>
-              <a:t>NoSQL &amp; Spark</a:t>
-            </a:r>
-          </a:p>
-        </p:txBody>
-      </p:sp>
-    </p:spTree>
-    <p:extLst>
-      <p:ext uri="{BB962C8B-B14F-4D97-AF65-F5344CB8AC3E}">
-        <p14:creationId xmlns:p14="http://schemas.microsoft.com/office/powerpoint/2010/main" val="570911283"/>
-      </p:ext>
-    </p:extLst>
-  </p:cSld>
-  <p:clrMapOvr>
-    <a:masterClrMapping/>
-  </p:clrMapOvr>
-</p:sld>
-</file>
-
-<file path=ppt/slides/slide23.xml><?xml version="1.0" encoding="utf-8"?>
 <p:sld xmlns:a="http://schemas.openxmlformats.org/drawingml/2006/main" xmlns:r="http://schemas.openxmlformats.org/officeDocument/2006/relationships" xmlns:p="http://schemas.openxmlformats.org/presentationml/2006/main">
   <p:cSld>
     <p:spTree>
@@ -12722,20 +12510,6 @@
 </file>
 
 <file path=customXml/item1.xml><?xml version="1.0" encoding="utf-8"?>
-<p:properties xmlns:p="http://schemas.microsoft.com/office/2006/metadata/properties" xmlns:xsi="http://www.w3.org/2001/XMLSchema-instance" xmlns:pc="http://schemas.microsoft.com/office/infopath/2007/PartnerControls">
-  <documentManagement>
-    <_dlc_DocId xmlns="037063e9-a85e-4c78-8627-f1a9315663e5">EVEA5JW6U4JV-6-9770</_dlc_DocId>
-    <_dlc_DocIdUrl xmlns="037063e9-a85e-4c78-8627-f1a9315663e5">
-      <Url>https://portal.roitraining.com/Courses/_layouts/DocIdRedir.aspx?ID=EVEA5JW6U4JV-6-9770</Url>
-      <Description>EVEA5JW6U4JV-6-9770</Description>
-    </_dlc_DocIdUrl>
-    <Date_x0020_last_x0020_used xmlns="027ed24f-5970-4294-be5c-0919c5aaa214" xsi:nil="true"/>
-    <Customization_x0020_Information xmlns="027ed24f-5970-4294-be5c-0919c5aaa214" xsi:nil="true"/>
-  </documentManagement>
-</p:properties>
-</file>
-
-<file path=customXml/item2.xml><?xml version="1.0" encoding="utf-8"?>
 <ct:contentTypeSchema xmlns:ct="http://schemas.microsoft.com/office/2006/metadata/contentType" xmlns:ma="http://schemas.microsoft.com/office/2006/metadata/properties/metaAttributes" ct:_="" ma:_="" ma:contentTypeName="Document" ma:contentTypeID="0x0101006B08A054FD435346B287BB258D6D8C2A" ma:contentTypeVersion="2" ma:contentTypeDescription="Create a new document." ma:contentTypeScope="" ma:versionID="6146b90b4382322d8952632f355192b7">
   <xsd:schema xmlns:xsd="http://www.w3.org/2001/XMLSchema" xmlns:xs="http://www.w3.org/2001/XMLSchema" xmlns:p="http://schemas.microsoft.com/office/2006/metadata/properties" xmlns:ns2="027ed24f-5970-4294-be5c-0919c5aaa214" xmlns:ns3="037063e9-a85e-4c78-8627-f1a9315663e5" targetNamespace="http://schemas.microsoft.com/office/2006/metadata/properties" ma:root="true" ma:fieldsID="b5d91f802dafd2e22aeea528efbe2d3e" ns2:_="" ns3:_="">
     <xsd:import namespace="027ed24f-5970-4294-be5c-0919c5aaa214"/>
@@ -12901,7 +12675,30 @@
 </ct:contentTypeSchema>
 </file>
 
+<file path=customXml/item2.xml><?xml version="1.0" encoding="utf-8"?>
+<p:properties xmlns:p="http://schemas.microsoft.com/office/2006/metadata/properties" xmlns:xsi="http://www.w3.org/2001/XMLSchema-instance" xmlns:pc="http://schemas.microsoft.com/office/infopath/2007/PartnerControls">
+  <documentManagement>
+    <_dlc_DocId xmlns="037063e9-a85e-4c78-8627-f1a9315663e5">EVEA5JW6U4JV-6-9770</_dlc_DocId>
+    <_dlc_DocIdUrl xmlns="037063e9-a85e-4c78-8627-f1a9315663e5">
+      <Url>https://portal.roitraining.com/Courses/_layouts/DocIdRedir.aspx?ID=EVEA5JW6U4JV-6-9770</Url>
+      <Description>EVEA5JW6U4JV-6-9770</Description>
+    </_dlc_DocIdUrl>
+    <Date_x0020_last_x0020_used xmlns="027ed24f-5970-4294-be5c-0919c5aaa214" xsi:nil="true"/>
+    <Customization_x0020_Information xmlns="027ed24f-5970-4294-be5c-0919c5aaa214" xsi:nil="true"/>
+  </documentManagement>
+</p:properties>
+</file>
+
 <file path=customXml/item3.xml><?xml version="1.0" encoding="utf-8"?>
+<?mso-contentType ?>
+<FormTemplates xmlns="http://schemas.microsoft.com/sharepoint/v3/contenttype/forms">
+  <Display>DocumentLibraryForm</Display>
+  <Edit>DocumentLibraryForm</Edit>
+  <New>DocumentLibraryForm</New>
+</FormTemplates>
+</file>
+
+<file path=customXml/item4.xml><?xml version="1.0" encoding="utf-8"?>
 <?mso-contentType ?>
 <spe:Receivers xmlns:spe="http://schemas.microsoft.com/sharepoint/events">
   <Receiver>
@@ -12947,33 +12744,7 @@
 </spe:Receivers>
 </file>
 
-<file path=customXml/item4.xml><?xml version="1.0" encoding="utf-8"?>
-<?mso-contentType ?>
-<FormTemplates xmlns="http://schemas.microsoft.com/sharepoint/v3/contenttype/forms">
-  <Display>DocumentLibraryForm</Display>
-  <Edit>DocumentLibraryForm</Edit>
-  <New>DocumentLibraryForm</New>
-</FormTemplates>
-</file>
-
 <file path=customXml/itemProps1.xml><?xml version="1.0" encoding="utf-8"?>
-<ds:datastoreItem xmlns:ds="http://schemas.openxmlformats.org/officeDocument/2006/customXml" ds:itemID="{F47B9207-CE5C-49AD-B414-15CBFA246D65}">
-  <ds:schemaRefs>
-    <ds:schemaRef ds:uri="http://schemas.microsoft.com/office/2006/metadata/properties"/>
-    <ds:schemaRef ds:uri="http://schemas.microsoft.com/office/2006/documentManagement/types"/>
-    <ds:schemaRef ds:uri="http://purl.org/dc/elements/1.1/"/>
-    <ds:schemaRef ds:uri="037063e9-a85e-4c78-8627-f1a9315663e5"/>
-    <ds:schemaRef ds:uri="http://www.w3.org/XML/1998/namespace"/>
-    <ds:schemaRef ds:uri="http://schemas.microsoft.com/office/infopath/2007/PartnerControls"/>
-    <ds:schemaRef ds:uri="http://purl.org/dc/terms/"/>
-    <ds:schemaRef ds:uri="http://schemas.openxmlformats.org/package/2006/metadata/core-properties"/>
-    <ds:schemaRef ds:uri="027ed24f-5970-4294-be5c-0919c5aaa214"/>
-    <ds:schemaRef ds:uri="http://purl.org/dc/dcmitype/"/>
-  </ds:schemaRefs>
-</ds:datastoreItem>
-</file>
-
-<file path=customXml/itemProps2.xml><?xml version="1.0" encoding="utf-8"?>
 <ds:datastoreItem xmlns:ds="http://schemas.openxmlformats.org/officeDocument/2006/customXml" ds:itemID="{B8E0886B-5092-4138-9EEE-28D3BFD5A483}">
   <ds:schemaRefs>
     <ds:schemaRef ds:uri="http://schemas.microsoft.com/office/2006/metadata/contentType"/>
@@ -12992,18 +12763,35 @@
 </ds:datastoreItem>
 </file>
 
+<file path=customXml/itemProps2.xml><?xml version="1.0" encoding="utf-8"?>
+<ds:datastoreItem xmlns:ds="http://schemas.openxmlformats.org/officeDocument/2006/customXml" ds:itemID="{F47B9207-CE5C-49AD-B414-15CBFA246D65}">
+  <ds:schemaRefs>
+    <ds:schemaRef ds:uri="http://schemas.microsoft.com/office/2006/metadata/properties"/>
+    <ds:schemaRef ds:uri="http://schemas.microsoft.com/office/2006/documentManagement/types"/>
+    <ds:schemaRef ds:uri="http://purl.org/dc/elements/1.1/"/>
+    <ds:schemaRef ds:uri="037063e9-a85e-4c78-8627-f1a9315663e5"/>
+    <ds:schemaRef ds:uri="http://www.w3.org/XML/1998/namespace"/>
+    <ds:schemaRef ds:uri="http://schemas.microsoft.com/office/infopath/2007/PartnerControls"/>
+    <ds:schemaRef ds:uri="http://purl.org/dc/terms/"/>
+    <ds:schemaRef ds:uri="http://schemas.openxmlformats.org/package/2006/metadata/core-properties"/>
+    <ds:schemaRef ds:uri="027ed24f-5970-4294-be5c-0919c5aaa214"/>
+    <ds:schemaRef ds:uri="http://purl.org/dc/dcmitype/"/>
+  </ds:schemaRefs>
+</ds:datastoreItem>
+</file>
+
 <file path=customXml/itemProps3.xml><?xml version="1.0" encoding="utf-8"?>
+<ds:datastoreItem xmlns:ds="http://schemas.openxmlformats.org/officeDocument/2006/customXml" ds:itemID="{2DA015F3-603C-4688-A5F3-81D587DAB8C9}">
+  <ds:schemaRefs>
+    <ds:schemaRef ds:uri="http://schemas.microsoft.com/sharepoint/v3/contenttype/forms"/>
+  </ds:schemaRefs>
+</ds:datastoreItem>
+</file>
+
+<file path=customXml/itemProps4.xml><?xml version="1.0" encoding="utf-8"?>
 <ds:datastoreItem xmlns:ds="http://schemas.openxmlformats.org/officeDocument/2006/customXml" ds:itemID="{B9043294-8302-4947-B882-02D6486F929C}">
   <ds:schemaRefs>
     <ds:schemaRef ds:uri="http://schemas.microsoft.com/sharepoint/events"/>
   </ds:schemaRefs>
 </ds:datastoreItem>
-</file>
-
-<file path=customXml/itemProps4.xml><?xml version="1.0" encoding="utf-8"?>
-<ds:datastoreItem xmlns:ds="http://schemas.openxmlformats.org/officeDocument/2006/customXml" ds:itemID="{2DA015F3-603C-4688-A5F3-81D587DAB8C9}">
-  <ds:schemaRefs>
-    <ds:schemaRef ds:uri="http://schemas.microsoft.com/sharepoint/v3/contenttype/forms"/>
-  </ds:schemaRefs>
-</ds:datastoreItem>
 </file>